--- a/slides/Kapitel 3 - App Services.pptx
+++ b/slides/Kapitel 3 - App Services.pptx
@@ -6,10 +6,10 @@
     <p:sldMasterId id="2147483726" r:id="rId7"/>
   </p:sldMasterIdLst>
   <p:notesMasterIdLst>
-    <p:notesMasterId r:id="rId28"/>
+    <p:notesMasterId r:id="rId35"/>
   </p:notesMasterIdLst>
   <p:handoutMasterIdLst>
-    <p:handoutMasterId r:id="rId29"/>
+    <p:handoutMasterId r:id="rId36"/>
   </p:handoutMasterIdLst>
   <p:sldIdLst>
     <p:sldId id="256" r:id="rId8"/>
@@ -31,7 +31,14 @@
     <p:sldId id="316" r:id="rId24"/>
     <p:sldId id="318" r:id="rId25"/>
     <p:sldId id="319" r:id="rId26"/>
-    <p:sldId id="265" r:id="rId27"/>
+    <p:sldId id="320" r:id="rId27"/>
+    <p:sldId id="321" r:id="rId28"/>
+    <p:sldId id="322" r:id="rId29"/>
+    <p:sldId id="323" r:id="rId30"/>
+    <p:sldId id="324" r:id="rId31"/>
+    <p:sldId id="326" r:id="rId32"/>
+    <p:sldId id="325" r:id="rId33"/>
+    <p:sldId id="265" r:id="rId34"/>
   </p:sldIdLst>
   <p:sldSz cx="9144000" cy="6858000" type="screen4x3"/>
   <p:notesSz cx="6858000" cy="9144000"/>
@@ -4412,7 +4419,7 @@
             <a:fld id="{4F91B457-3F2E-4122-9F2F-909BA6E0B6E3}" type="datetimeFigureOut">
               <a:rPr lang="de-DE" smtClean="0"/>
               <a:pPr/>
-              <a:t>26.04.24</a:t>
+              <a:t>06.05.24</a:t>
             </a:fld>
             <a:endParaRPr lang="de-DE"/>
           </a:p>
@@ -5256,6 +5263,199 @@
             <p:ph type="sldImg"/>
           </p:nvPr>
         </p:nvSpPr>
+        <p:spPr/>
+      </p:sp>
+      <p:sp>
+        <p:nvSpPr>
+          <p:cNvPr id="3" name="Notizenplatzhalter 2"/>
+          <p:cNvSpPr>
+            <a:spLocks noGrp="1"/>
+          </p:cNvSpPr>
+          <p:nvPr>
+            <p:ph type="body" idx="1"/>
+          </p:nvPr>
+        </p:nvSpPr>
+        <p:spPr/>
+        <p:txBody>
+          <a:bodyPr/>
+          <a:lstStyle/>
+          <a:p>
+            <a:endParaRPr lang="de-DE" dirty="0"/>
+          </a:p>
+        </p:txBody>
+      </p:sp>
+      <p:sp>
+        <p:nvSpPr>
+          <p:cNvPr id="4" name="Foliennummernplatzhalter 3"/>
+          <p:cNvSpPr>
+            <a:spLocks noGrp="1"/>
+          </p:cNvSpPr>
+          <p:nvPr>
+            <p:ph type="sldNum" sz="quarter" idx="5"/>
+          </p:nvPr>
+        </p:nvSpPr>
+        <p:spPr/>
+        <p:txBody>
+          <a:bodyPr/>
+          <a:lstStyle/>
+          <a:p>
+            <a:fld id="{F6FEE991-81EB-4494-AA83-0C307BABC94D}" type="slidenum">
+              <a:rPr lang="de-DE" smtClean="0"/>
+              <a:pPr/>
+              <a:t>20</a:t>
+            </a:fld>
+            <a:endParaRPr lang="de-DE"/>
+          </a:p>
+        </p:txBody>
+      </p:sp>
+    </p:spTree>
+    <p:extLst>
+      <p:ext uri="{BB962C8B-B14F-4D97-AF65-F5344CB8AC3E}">
+        <p14:creationId xmlns:p14="http://schemas.microsoft.com/office/powerpoint/2010/main" val="1492360624"/>
+      </p:ext>
+    </p:extLst>
+  </p:cSld>
+  <p:clrMapOvr>
+    <a:masterClrMapping/>
+  </p:clrMapOvr>
+</p:notes>
+</file>
+
+<file path=ppt/notesSlides/notesSlide16.xml><?xml version="1.0" encoding="utf-8"?>
+<p:notes xmlns:a="http://schemas.openxmlformats.org/drawingml/2006/main" xmlns:r="http://schemas.openxmlformats.org/officeDocument/2006/relationships" xmlns:p="http://schemas.openxmlformats.org/presentationml/2006/main">
+  <p:cSld>
+    <p:spTree>
+      <p:nvGrpSpPr>
+        <p:cNvPr id="1" name=""/>
+        <p:cNvGrpSpPr/>
+        <p:nvPr/>
+      </p:nvGrpSpPr>
+      <p:grpSpPr>
+        <a:xfrm>
+          <a:off x="0" y="0"/>
+          <a:ext cx="0" cy="0"/>
+          <a:chOff x="0" y="0"/>
+          <a:chExt cx="0" cy="0"/>
+        </a:xfrm>
+      </p:grpSpPr>
+      <p:sp>
+        <p:nvSpPr>
+          <p:cNvPr id="2" name="Folienbildplatzhalter 1"/>
+          <p:cNvSpPr>
+            <a:spLocks noGrp="1" noRot="1" noChangeAspect="1"/>
+          </p:cNvSpPr>
+          <p:nvPr>
+            <p:ph type="sldImg"/>
+          </p:nvPr>
+        </p:nvSpPr>
+        <p:spPr/>
+      </p:sp>
+      <p:sp>
+        <p:nvSpPr>
+          <p:cNvPr id="3" name="Notizenplatzhalter 2"/>
+          <p:cNvSpPr>
+            <a:spLocks noGrp="1"/>
+          </p:cNvSpPr>
+          <p:nvPr>
+            <p:ph type="body" idx="1"/>
+          </p:nvPr>
+        </p:nvSpPr>
+        <p:spPr/>
+        <p:txBody>
+          <a:bodyPr/>
+          <a:lstStyle/>
+          <a:p>
+            <a:r>
+              <a:rPr lang="de-DE" dirty="0"/>
+              <a:t>Ich erstelle eine Web </a:t>
+            </a:r>
+            <a:r>
+              <a:rPr lang="de-DE" dirty="0" err="1"/>
+              <a:t>Application</a:t>
+            </a:r>
+            <a:r>
+              <a:rPr lang="de-DE" dirty="0"/>
+              <a:t> </a:t>
+            </a:r>
+          </a:p>
+          <a:p>
+            <a:r>
+              <a:rPr lang="de-DE" dirty="0"/>
+              <a:t>WEST Europe</a:t>
+            </a:r>
+          </a:p>
+          <a:p>
+            <a:r>
+              <a:rPr lang="de-DE" dirty="0"/>
+              <a:t>.NET 8</a:t>
+            </a:r>
+          </a:p>
+        </p:txBody>
+      </p:sp>
+      <p:sp>
+        <p:nvSpPr>
+          <p:cNvPr id="4" name="Foliennummernplatzhalter 3"/>
+          <p:cNvSpPr>
+            <a:spLocks noGrp="1"/>
+          </p:cNvSpPr>
+          <p:nvPr>
+            <p:ph type="sldNum" sz="quarter" idx="5"/>
+          </p:nvPr>
+        </p:nvSpPr>
+        <p:spPr/>
+        <p:txBody>
+          <a:bodyPr/>
+          <a:lstStyle/>
+          <a:p>
+            <a:fld id="{F6FEE991-81EB-4494-AA83-0C307BABC94D}" type="slidenum">
+              <a:rPr lang="de-DE" smtClean="0"/>
+              <a:pPr/>
+              <a:t>25</a:t>
+            </a:fld>
+            <a:endParaRPr lang="de-DE"/>
+          </a:p>
+        </p:txBody>
+      </p:sp>
+    </p:spTree>
+    <p:extLst>
+      <p:ext uri="{BB962C8B-B14F-4D97-AF65-F5344CB8AC3E}">
+        <p14:creationId xmlns:p14="http://schemas.microsoft.com/office/powerpoint/2010/main" val="3469344588"/>
+      </p:ext>
+    </p:extLst>
+  </p:cSld>
+  <p:clrMapOvr>
+    <a:masterClrMapping/>
+  </p:clrMapOvr>
+</p:notes>
+</file>
+
+<file path=ppt/notesSlides/notesSlide17.xml><?xml version="1.0" encoding="utf-8"?>
+<p:notes xmlns:a="http://schemas.openxmlformats.org/drawingml/2006/main" xmlns:r="http://schemas.openxmlformats.org/officeDocument/2006/relationships" xmlns:p="http://schemas.openxmlformats.org/presentationml/2006/main">
+  <p:cSld>
+    <p:spTree>
+      <p:nvGrpSpPr>
+        <p:cNvPr id="1" name=""/>
+        <p:cNvGrpSpPr/>
+        <p:nvPr/>
+      </p:nvGrpSpPr>
+      <p:grpSpPr>
+        <a:xfrm>
+          <a:off x="0" y="0"/>
+          <a:ext cx="0" cy="0"/>
+          <a:chOff x="0" y="0"/>
+          <a:chExt cx="0" cy="0"/>
+        </a:xfrm>
+      </p:grpSpPr>
+      <p:sp>
+        <p:nvSpPr>
+          <p:cNvPr id="2" name="Folienbildplatzhalter 1"/>
+          <p:cNvSpPr>
+            <a:spLocks noGrp="1" noRot="1" noChangeAspect="1"/>
+          </p:cNvSpPr>
+          <p:nvPr>
+            <p:ph type="sldImg"/>
+          </p:nvPr>
+        </p:nvSpPr>
         <p:spPr>
           <a:xfrm>
             <a:off x="1143000" y="685800"/>
@@ -5302,7 +5502,7 @@
             <a:fld id="{F6FEE991-81EB-4494-AA83-0C307BABC94D}" type="slidenum">
               <a:rPr lang="de-DE" smtClean="0"/>
               <a:pPr/>
-              <a:t>20</a:t>
+              <a:t>27</a:t>
             </a:fld>
             <a:endParaRPr lang="de-DE"/>
           </a:p>
@@ -6922,7 +7122,7 @@
           <a:p>
             <a:fld id="{BB48F2B1-6F8B-154F-97D7-E022D65D318E}" type="datetimeFigureOut">
               <a:rPr lang="de-DE" smtClean="0"/>
-              <a:t>26.04.24</a:t>
+              <a:t>06.05.24</a:t>
             </a:fld>
             <a:endParaRPr lang="de-DE"/>
           </a:p>
@@ -7144,7 +7344,7 @@
           <a:p>
             <a:fld id="{BB48F2B1-6F8B-154F-97D7-E022D65D318E}" type="datetimeFigureOut">
               <a:rPr lang="de-DE" smtClean="0"/>
-              <a:t>26.04.24</a:t>
+              <a:t>06.05.24</a:t>
             </a:fld>
             <a:endParaRPr lang="de-DE"/>
           </a:p>
@@ -7443,7 +7643,7 @@
           <a:p>
             <a:fld id="{BB48F2B1-6F8B-154F-97D7-E022D65D318E}" type="datetimeFigureOut">
               <a:rPr lang="de-DE" smtClean="0"/>
-              <a:t>26.04.24</a:t>
+              <a:t>06.05.24</a:t>
             </a:fld>
             <a:endParaRPr lang="de-DE"/>
           </a:p>
@@ -7732,7 +7932,7 @@
           <a:p>
             <a:fld id="{BB48F2B1-6F8B-154F-97D7-E022D65D318E}" type="datetimeFigureOut">
               <a:rPr lang="de-DE" smtClean="0"/>
-              <a:t>26.04.24</a:t>
+              <a:t>06.05.24</a:t>
             </a:fld>
             <a:endParaRPr lang="de-DE"/>
           </a:p>
@@ -8168,7 +8368,7 @@
           <a:p>
             <a:fld id="{BB48F2B1-6F8B-154F-97D7-E022D65D318E}" type="datetimeFigureOut">
               <a:rPr lang="de-DE" smtClean="0"/>
-              <a:t>26.04.24</a:t>
+              <a:t>06.05.24</a:t>
             </a:fld>
             <a:endParaRPr lang="de-DE"/>
           </a:p>
@@ -8333,7 +8533,7 @@
           <a:p>
             <a:fld id="{BB48F2B1-6F8B-154F-97D7-E022D65D318E}" type="datetimeFigureOut">
               <a:rPr lang="de-DE" smtClean="0"/>
-              <a:t>26.04.24</a:t>
+              <a:t>06.05.24</a:t>
             </a:fld>
             <a:endParaRPr lang="de-DE"/>
           </a:p>
@@ -8470,7 +8670,7 @@
           <a:p>
             <a:fld id="{BB48F2B1-6F8B-154F-97D7-E022D65D318E}" type="datetimeFigureOut">
               <a:rPr lang="de-DE" smtClean="0"/>
-              <a:t>26.04.24</a:t>
+              <a:t>06.05.24</a:t>
             </a:fld>
             <a:endParaRPr lang="de-DE"/>
           </a:p>
@@ -8805,7 +9005,7 @@
           <a:p>
             <a:fld id="{BB48F2B1-6F8B-154F-97D7-E022D65D318E}" type="datetimeFigureOut">
               <a:rPr lang="de-DE" smtClean="0"/>
-              <a:t>26.04.24</a:t>
+              <a:t>06.05.24</a:t>
             </a:fld>
             <a:endParaRPr lang="de-DE"/>
           </a:p>
@@ -9117,7 +9317,7 @@
           <a:p>
             <a:fld id="{BB48F2B1-6F8B-154F-97D7-E022D65D318E}" type="datetimeFigureOut">
               <a:rPr lang="de-DE" smtClean="0"/>
-              <a:t>26.04.24</a:t>
+              <a:t>06.05.24</a:t>
             </a:fld>
             <a:endParaRPr lang="de-DE"/>
           </a:p>
@@ -9397,7 +9597,7 @@
           <a:p>
             <a:fld id="{BB48F2B1-6F8B-154F-97D7-E022D65D318E}" type="datetimeFigureOut">
               <a:rPr lang="de-DE" smtClean="0"/>
-              <a:t>26.04.24</a:t>
+              <a:t>06.05.24</a:t>
             </a:fld>
             <a:endParaRPr lang="de-DE"/>
           </a:p>
@@ -9629,7 +9829,7 @@
           <a:p>
             <a:fld id="{BB48F2B1-6F8B-154F-97D7-E022D65D318E}" type="datetimeFigureOut">
               <a:rPr lang="de-DE" smtClean="0"/>
-              <a:t>26.04.24</a:t>
+              <a:t>06.05.24</a:t>
             </a:fld>
             <a:endParaRPr lang="de-DE"/>
           </a:p>
@@ -24957,6 +25157,2483 @@
 </file>
 
 <file path=ppt/slides/slide20.xml><?xml version="1.0" encoding="utf-8"?>
+<p:sld xmlns:a="http://schemas.openxmlformats.org/drawingml/2006/main" xmlns:r="http://schemas.openxmlformats.org/officeDocument/2006/relationships" xmlns:p="http://schemas.openxmlformats.org/presentationml/2006/main">
+  <p:cSld>
+    <p:bg>
+      <p:bgPr>
+        <a:solidFill>
+          <a:schemeClr val="bg1"/>
+        </a:solidFill>
+        <a:effectLst/>
+      </p:bgPr>
+    </p:bg>
+    <p:spTree>
+      <p:nvGrpSpPr>
+        <p:cNvPr id="1" name=""/>
+        <p:cNvGrpSpPr/>
+        <p:nvPr/>
+      </p:nvGrpSpPr>
+      <p:grpSpPr>
+        <a:xfrm>
+          <a:off x="0" y="0"/>
+          <a:ext cx="0" cy="0"/>
+          <a:chOff x="0" y="0"/>
+          <a:chExt cx="0" cy="0"/>
+        </a:xfrm>
+      </p:grpSpPr>
+      <p:sp>
+        <p:nvSpPr>
+          <p:cNvPr id="2" name="Titel 1">
+            <a:extLst>
+              <a:ext uri="{FF2B5EF4-FFF2-40B4-BE49-F238E27FC236}">
+                <a16:creationId xmlns:a16="http://schemas.microsoft.com/office/drawing/2014/main" id="{6EC30D22-E6A6-85FC-A5C0-35298A77163E}"/>
+              </a:ext>
+            </a:extLst>
+          </p:cNvPr>
+          <p:cNvSpPr>
+            <a:spLocks noGrp="1"/>
+          </p:cNvSpPr>
+          <p:nvPr>
+            <p:ph type="title"/>
+          </p:nvPr>
+        </p:nvSpPr>
+        <p:spPr>
+          <a:xfrm>
+            <a:off x="628649" y="1320126"/>
+            <a:ext cx="2855047" cy="3072359"/>
+          </a:xfrm>
+        </p:spPr>
+        <p:txBody>
+          <a:bodyPr vert="horz" lIns="91440" tIns="45720" rIns="91440" bIns="45720" rtlCol="0" anchor="t">
+            <a:normAutofit/>
+          </a:bodyPr>
+          <a:lstStyle/>
+          <a:p>
+            <a:r>
+              <a:rPr lang="en-US" sz="3500" kern="1200">
+                <a:solidFill>
+                  <a:schemeClr val="tx1"/>
+                </a:solidFill>
+                <a:latin typeface="+mj-lt"/>
+                <a:ea typeface="+mj-ea"/>
+                <a:cs typeface="+mj-cs"/>
+              </a:rPr>
+              <a:t>Azure Functions</a:t>
+            </a:r>
+          </a:p>
+        </p:txBody>
+      </p:sp>
+      <p:pic>
+        <p:nvPicPr>
+          <p:cNvPr id="1026" name="Picture 2" descr="Microsoft Azure Functions png images | PNGEgg">
+            <a:extLst>
+              <a:ext uri="{FF2B5EF4-FFF2-40B4-BE49-F238E27FC236}">
+                <a16:creationId xmlns:a16="http://schemas.microsoft.com/office/drawing/2014/main" id="{98EECD3F-9027-9223-8A46-60A7B9B97B3D}"/>
+              </a:ext>
+            </a:extLst>
+          </p:cNvPr>
+          <p:cNvPicPr>
+            <a:picLocks noGrp="1" noChangeAspect="1" noChangeArrowheads="1"/>
+          </p:cNvPicPr>
+          <p:nvPr>
+            <p:ph idx="1"/>
+          </p:nvPr>
+        </p:nvPicPr>
+        <p:blipFill>
+          <a:blip r:embed="rId3">
+            <a:extLst>
+              <a:ext uri="{28A0092B-C50C-407E-A947-70E740481C1C}">
+                <a14:useLocalDpi xmlns:a14="http://schemas.microsoft.com/office/drawing/2010/main" val="0"/>
+              </a:ext>
+            </a:extLst>
+          </a:blip>
+          <a:stretch>
+            <a:fillRect/>
+          </a:stretch>
+        </p:blipFill>
+        <p:spPr bwMode="auto">
+          <a:xfrm>
+            <a:off x="4097541" y="2094505"/>
+            <a:ext cx="4456123" cy="2527130"/>
+          </a:xfrm>
+          <a:prstGeom prst="rect">
+            <a:avLst/>
+          </a:prstGeom>
+          <a:noFill/>
+          <a:extLst>
+            <a:ext uri="{909E8E84-426E-40DD-AFC4-6F175D3DCCD1}">
+              <a14:hiddenFill xmlns:a14="http://schemas.microsoft.com/office/drawing/2010/main">
+                <a:solidFill>
+                  <a:srgbClr val="FFFFFF"/>
+                </a:solidFill>
+              </a14:hiddenFill>
+            </a:ext>
+          </a:extLst>
+        </p:spPr>
+      </p:pic>
+      <p:grpSp>
+        <p:nvGrpSpPr>
+          <p:cNvPr id="1031" name="Group 1030">
+            <a:extLst>
+              <a:ext uri="{FF2B5EF4-FFF2-40B4-BE49-F238E27FC236}">
+                <a16:creationId xmlns:a16="http://schemas.microsoft.com/office/drawing/2014/main" id="{71E4E172-1EA7-E251-8265-AD4D67315470}"/>
+              </a:ext>
+              <a:ext uri="{C183D7F6-B498-43B3-948B-1728B52AA6E4}">
+                <adec:decorative xmlns:adec="http://schemas.microsoft.com/office/drawing/2017/decorative" val="1"/>
+              </a:ext>
+            </a:extLst>
+          </p:cNvPr>
+          <p:cNvGrpSpPr>
+            <a:grpSpLocks noGrp="1" noUngrp="1" noRot="1" noChangeAspect="1" noMove="1" noResize="1"/>
+          </p:cNvGrpSpPr>
+          <p:nvPr>
+            <p:extLst>
+              <p:ext uri="{386F3935-93C4-4BCD-93E2-E3B085C9AB24}">
+                <p16:designElem xmlns:p16="http://schemas.microsoft.com/office/powerpoint/2015/main" val="1"/>
+              </p:ext>
+            </p:extLst>
+          </p:nvPr>
+        </p:nvGrpSpPr>
+        <p:grpSpPr>
+          <a:xfrm>
+            <a:off x="-3768" y="6737718"/>
+            <a:ext cx="9155399" cy="123363"/>
+            <a:chOff x="-5025" y="6737718"/>
+            <a:chExt cx="12207200" cy="123363"/>
+          </a:xfrm>
+        </p:grpSpPr>
+        <p:sp>
+          <p:nvSpPr>
+            <p:cNvPr id="1032" name="Rectangle 1031">
+              <a:extLst>
+                <a:ext uri="{FF2B5EF4-FFF2-40B4-BE49-F238E27FC236}">
+                  <a16:creationId xmlns:a16="http://schemas.microsoft.com/office/drawing/2014/main" id="{B36EE4C1-7905-4652-A645-D2C3112E2F79}"/>
+                </a:ext>
+                <a:ext uri="{C183D7F6-B498-43B3-948B-1728B52AA6E4}">
+                  <adec:decorative xmlns:adec="http://schemas.microsoft.com/office/drawing/2017/decorative" val="1"/>
+                </a:ext>
+              </a:extLst>
+            </p:cNvPr>
+            <p:cNvSpPr/>
+            <p:nvPr>
+              <p:extLst>
+                <p:ext uri="{386F3935-93C4-4BCD-93E2-E3B085C9AB24}">
+                  <p16:designElem xmlns:p16="http://schemas.microsoft.com/office/powerpoint/2015/main" val="1"/>
+                </p:ext>
+              </p:extLst>
+            </p:nvPr>
+          </p:nvSpPr>
+          <p:spPr>
+            <a:xfrm rot="5400000" flipH="1">
+              <a:off x="6036894" y="695800"/>
+              <a:ext cx="123362" cy="12207199"/>
+            </a:xfrm>
+            <a:prstGeom prst="rect">
+              <a:avLst/>
+            </a:prstGeom>
+            <a:gradFill>
+              <a:gsLst>
+                <a:gs pos="0">
+                  <a:schemeClr val="accent5"/>
+                </a:gs>
+                <a:gs pos="100000">
+                  <a:schemeClr val="accent2"/>
+                </a:gs>
+              </a:gsLst>
+              <a:lin ang="1800000" scaled="0"/>
+            </a:gradFill>
+            <a:ln>
+              <a:noFill/>
+            </a:ln>
+          </p:spPr>
+          <p:style>
+            <a:lnRef idx="2">
+              <a:schemeClr val="accent1">
+                <a:shade val="50000"/>
+              </a:schemeClr>
+            </a:lnRef>
+            <a:fillRef idx="1">
+              <a:schemeClr val="accent1"/>
+            </a:fillRef>
+            <a:effectRef idx="0">
+              <a:schemeClr val="accent1"/>
+            </a:effectRef>
+            <a:fontRef idx="minor">
+              <a:schemeClr val="lt1"/>
+            </a:fontRef>
+          </p:style>
+          <p:txBody>
+            <a:bodyPr rtlCol="0" anchor="ctr"/>
+            <a:lstStyle/>
+            <a:p>
+              <a:pPr algn="ctr"/>
+              <a:endParaRPr lang="en-US"/>
+            </a:p>
+          </p:txBody>
+        </p:sp>
+        <p:sp>
+          <p:nvSpPr>
+            <p:cNvPr id="1033" name="Rectangle 1032">
+              <a:extLst>
+                <a:ext uri="{FF2B5EF4-FFF2-40B4-BE49-F238E27FC236}">
+                  <a16:creationId xmlns:a16="http://schemas.microsoft.com/office/drawing/2014/main" id="{5B2D6870-BDC0-AE8B-A7F5-D570327D12E0}"/>
+                </a:ext>
+                <a:ext uri="{C183D7F6-B498-43B3-948B-1728B52AA6E4}">
+                  <adec:decorative xmlns:adec="http://schemas.microsoft.com/office/drawing/2017/decorative" val="1"/>
+                </a:ext>
+              </a:extLst>
+            </p:cNvPr>
+            <p:cNvSpPr/>
+            <p:nvPr>
+              <p:extLst>
+                <p:ext uri="{386F3935-93C4-4BCD-93E2-E3B085C9AB24}">
+                  <p16:designElem xmlns:p16="http://schemas.microsoft.com/office/powerpoint/2015/main" val="1"/>
+                </p:ext>
+              </p:extLst>
+            </p:nvPr>
+          </p:nvSpPr>
+          <p:spPr>
+            <a:xfrm rot="16200000">
+              <a:off x="9176406" y="3835311"/>
+              <a:ext cx="123362" cy="5928176"/>
+            </a:xfrm>
+            <a:prstGeom prst="rect">
+              <a:avLst/>
+            </a:prstGeom>
+            <a:gradFill>
+              <a:gsLst>
+                <a:gs pos="19000">
+                  <a:schemeClr val="accent5">
+                    <a:alpha val="0"/>
+                  </a:schemeClr>
+                </a:gs>
+                <a:gs pos="100000">
+                  <a:schemeClr val="accent5">
+                    <a:lumMod val="60000"/>
+                    <a:lumOff val="40000"/>
+                  </a:schemeClr>
+                </a:gs>
+              </a:gsLst>
+              <a:lin ang="600000" scaled="0"/>
+            </a:gradFill>
+            <a:ln>
+              <a:noFill/>
+            </a:ln>
+          </p:spPr>
+          <p:style>
+            <a:lnRef idx="2">
+              <a:schemeClr val="accent1">
+                <a:shade val="50000"/>
+              </a:schemeClr>
+            </a:lnRef>
+            <a:fillRef idx="1">
+              <a:schemeClr val="accent1"/>
+            </a:fillRef>
+            <a:effectRef idx="0">
+              <a:schemeClr val="accent1"/>
+            </a:effectRef>
+            <a:fontRef idx="minor">
+              <a:schemeClr val="lt1"/>
+            </a:fontRef>
+          </p:style>
+          <p:txBody>
+            <a:bodyPr rtlCol="0" anchor="ctr"/>
+            <a:lstStyle/>
+            <a:p>
+              <a:pPr algn="ctr"/>
+              <a:endParaRPr lang="en-US"/>
+            </a:p>
+          </p:txBody>
+        </p:sp>
+      </p:grpSp>
+    </p:spTree>
+    <p:extLst>
+      <p:ext uri="{BB962C8B-B14F-4D97-AF65-F5344CB8AC3E}">
+        <p14:creationId xmlns:p14="http://schemas.microsoft.com/office/powerpoint/2010/main" val="482110828"/>
+      </p:ext>
+    </p:extLst>
+  </p:cSld>
+  <p:clrMapOvr>
+    <a:masterClrMapping/>
+  </p:clrMapOvr>
+</p:sld>
+</file>
+
+<file path=ppt/slides/slide21.xml><?xml version="1.0" encoding="utf-8"?>
+<p:sld xmlns:a="http://schemas.openxmlformats.org/drawingml/2006/main" xmlns:r="http://schemas.openxmlformats.org/officeDocument/2006/relationships" xmlns:p="http://schemas.openxmlformats.org/presentationml/2006/main">
+  <p:cSld>
+    <p:spTree>
+      <p:nvGrpSpPr>
+        <p:cNvPr id="1" name=""/>
+        <p:cNvGrpSpPr/>
+        <p:nvPr/>
+      </p:nvGrpSpPr>
+      <p:grpSpPr>
+        <a:xfrm>
+          <a:off x="0" y="0"/>
+          <a:ext cx="0" cy="0"/>
+          <a:chOff x="0" y="0"/>
+          <a:chExt cx="0" cy="0"/>
+        </a:xfrm>
+      </p:grpSpPr>
+      <p:sp>
+        <p:nvSpPr>
+          <p:cNvPr id="2" name="Titel 1">
+            <a:extLst>
+              <a:ext uri="{FF2B5EF4-FFF2-40B4-BE49-F238E27FC236}">
+                <a16:creationId xmlns:a16="http://schemas.microsoft.com/office/drawing/2014/main" id="{561A4D19-38E0-5A6F-2FD1-4C6B6C15FBB6}"/>
+              </a:ext>
+            </a:extLst>
+          </p:cNvPr>
+          <p:cNvSpPr>
+            <a:spLocks noGrp="1"/>
+          </p:cNvSpPr>
+          <p:nvPr>
+            <p:ph type="title"/>
+          </p:nvPr>
+        </p:nvSpPr>
+        <p:spPr/>
+        <p:txBody>
+          <a:bodyPr/>
+          <a:lstStyle/>
+          <a:p>
+            <a:r>
+              <a:rPr lang="de-DE" dirty="0"/>
+              <a:t>Was?</a:t>
+            </a:r>
+          </a:p>
+        </p:txBody>
+      </p:sp>
+      <p:sp>
+        <p:nvSpPr>
+          <p:cNvPr id="3" name="Inhaltsplatzhalter 2">
+            <a:extLst>
+              <a:ext uri="{FF2B5EF4-FFF2-40B4-BE49-F238E27FC236}">
+                <a16:creationId xmlns:a16="http://schemas.microsoft.com/office/drawing/2014/main" id="{DBF41F4B-A3D6-4259-8352-D0B2E1FAC5D0}"/>
+              </a:ext>
+            </a:extLst>
+          </p:cNvPr>
+          <p:cNvSpPr>
+            <a:spLocks noGrp="1"/>
+          </p:cNvSpPr>
+          <p:nvPr>
+            <p:ph idx="1"/>
+          </p:nvPr>
+        </p:nvSpPr>
+        <p:spPr/>
+        <p:txBody>
+          <a:bodyPr/>
+          <a:lstStyle/>
+          <a:p>
+            <a:r>
+              <a:rPr lang="de-DE" dirty="0"/>
+              <a:t>serverlose Lösung</a:t>
+            </a:r>
+          </a:p>
+          <a:p>
+            <a:r>
+              <a:rPr lang="de-DE" dirty="0"/>
+              <a:t>umfassende Reihe von ereignisgesteuerten Triggern</a:t>
+            </a:r>
+          </a:p>
+          <a:p>
+            <a:endParaRPr lang="de-DE" dirty="0"/>
+          </a:p>
+        </p:txBody>
+      </p:sp>
+    </p:spTree>
+    <p:extLst>
+      <p:ext uri="{BB962C8B-B14F-4D97-AF65-F5344CB8AC3E}">
+        <p14:creationId xmlns:p14="http://schemas.microsoft.com/office/powerpoint/2010/main" val="1094485384"/>
+      </p:ext>
+    </p:extLst>
+  </p:cSld>
+  <p:clrMapOvr>
+    <a:masterClrMapping/>
+  </p:clrMapOvr>
+</p:sld>
+</file>
+
+<file path=ppt/slides/slide22.xml><?xml version="1.0" encoding="utf-8"?>
+<p:sld xmlns:a="http://schemas.openxmlformats.org/drawingml/2006/main" xmlns:r="http://schemas.openxmlformats.org/officeDocument/2006/relationships" xmlns:p="http://schemas.openxmlformats.org/presentationml/2006/main">
+  <p:cSld>
+    <p:bg>
+      <p:bgPr>
+        <a:solidFill>
+          <a:schemeClr val="bg1"/>
+        </a:solidFill>
+        <a:effectLst/>
+      </p:bgPr>
+    </p:bg>
+    <p:spTree>
+      <p:nvGrpSpPr>
+        <p:cNvPr id="1" name=""/>
+        <p:cNvGrpSpPr/>
+        <p:nvPr/>
+      </p:nvGrpSpPr>
+      <p:grpSpPr>
+        <a:xfrm>
+          <a:off x="0" y="0"/>
+          <a:ext cx="0" cy="0"/>
+          <a:chOff x="0" y="0"/>
+          <a:chExt cx="0" cy="0"/>
+        </a:xfrm>
+      </p:grpSpPr>
+      <p:sp>
+        <p:nvSpPr>
+          <p:cNvPr id="2" name="Titel 1">
+            <a:extLst>
+              <a:ext uri="{FF2B5EF4-FFF2-40B4-BE49-F238E27FC236}">
+                <a16:creationId xmlns:a16="http://schemas.microsoft.com/office/drawing/2014/main" id="{49C15927-EC87-0342-5CF3-65807D1F57B4}"/>
+              </a:ext>
+            </a:extLst>
+          </p:cNvPr>
+          <p:cNvSpPr>
+            <a:spLocks noGrp="1"/>
+          </p:cNvSpPr>
+          <p:nvPr>
+            <p:ph type="title"/>
+          </p:nvPr>
+        </p:nvSpPr>
+        <p:spPr>
+          <a:xfrm>
+            <a:off x="628649" y="1320126"/>
+            <a:ext cx="2855047" cy="3072359"/>
+          </a:xfrm>
+        </p:spPr>
+        <p:txBody>
+          <a:bodyPr vert="horz" lIns="91440" tIns="45720" rIns="91440" bIns="45720" rtlCol="0" anchor="t">
+            <a:normAutofit/>
+          </a:bodyPr>
+          <a:lstStyle/>
+          <a:p>
+            <a:r>
+              <a:rPr lang="en-US" sz="3500" kern="1200" dirty="0" err="1">
+                <a:solidFill>
+                  <a:schemeClr val="tx1"/>
+                </a:solidFill>
+                <a:latin typeface="+mj-lt"/>
+                <a:ea typeface="+mj-ea"/>
+                <a:cs typeface="+mj-cs"/>
+              </a:rPr>
+              <a:t>Szenarien</a:t>
+            </a:r>
+            <a:endParaRPr lang="en-US" sz="3500" kern="1200" dirty="0">
+              <a:solidFill>
+                <a:schemeClr val="tx1"/>
+              </a:solidFill>
+              <a:latin typeface="+mj-lt"/>
+              <a:ea typeface="+mj-ea"/>
+              <a:cs typeface="+mj-cs"/>
+            </a:endParaRPr>
+          </a:p>
+        </p:txBody>
+      </p:sp>
+      <p:grpSp>
+        <p:nvGrpSpPr>
+          <p:cNvPr id="9" name="Group 8">
+            <a:extLst>
+              <a:ext uri="{FF2B5EF4-FFF2-40B4-BE49-F238E27FC236}">
+                <a16:creationId xmlns:a16="http://schemas.microsoft.com/office/drawing/2014/main" id="{71E4E172-1EA7-E251-8265-AD4D67315470}"/>
+              </a:ext>
+              <a:ext uri="{C183D7F6-B498-43B3-948B-1728B52AA6E4}">
+                <adec:decorative xmlns:adec="http://schemas.microsoft.com/office/drawing/2017/decorative" val="1"/>
+              </a:ext>
+            </a:extLst>
+          </p:cNvPr>
+          <p:cNvGrpSpPr>
+            <a:grpSpLocks noGrp="1" noUngrp="1" noRot="1" noChangeAspect="1" noMove="1" noResize="1"/>
+          </p:cNvGrpSpPr>
+          <p:nvPr>
+            <p:extLst>
+              <p:ext uri="{386F3935-93C4-4BCD-93E2-E3B085C9AB24}">
+                <p16:designElem xmlns:p16="http://schemas.microsoft.com/office/powerpoint/2015/main" val="1"/>
+              </p:ext>
+            </p:extLst>
+          </p:nvPr>
+        </p:nvGrpSpPr>
+        <p:grpSpPr>
+          <a:xfrm>
+            <a:off x="-3768" y="6737718"/>
+            <a:ext cx="9155399" cy="123363"/>
+            <a:chOff x="-5025" y="6737718"/>
+            <a:chExt cx="12207200" cy="123363"/>
+          </a:xfrm>
+        </p:grpSpPr>
+        <p:sp>
+          <p:nvSpPr>
+            <p:cNvPr id="10" name="Rectangle 9">
+              <a:extLst>
+                <a:ext uri="{FF2B5EF4-FFF2-40B4-BE49-F238E27FC236}">
+                  <a16:creationId xmlns:a16="http://schemas.microsoft.com/office/drawing/2014/main" id="{B36EE4C1-7905-4652-A645-D2C3112E2F79}"/>
+                </a:ext>
+                <a:ext uri="{C183D7F6-B498-43B3-948B-1728B52AA6E4}">
+                  <adec:decorative xmlns:adec="http://schemas.microsoft.com/office/drawing/2017/decorative" val="1"/>
+                </a:ext>
+              </a:extLst>
+            </p:cNvPr>
+            <p:cNvSpPr/>
+            <p:nvPr>
+              <p:extLst>
+                <p:ext uri="{386F3935-93C4-4BCD-93E2-E3B085C9AB24}">
+                  <p16:designElem xmlns:p16="http://schemas.microsoft.com/office/powerpoint/2015/main" val="1"/>
+                </p:ext>
+              </p:extLst>
+            </p:nvPr>
+          </p:nvSpPr>
+          <p:spPr>
+            <a:xfrm rot="5400000" flipH="1">
+              <a:off x="6036894" y="695800"/>
+              <a:ext cx="123362" cy="12207199"/>
+            </a:xfrm>
+            <a:prstGeom prst="rect">
+              <a:avLst/>
+            </a:prstGeom>
+            <a:gradFill>
+              <a:gsLst>
+                <a:gs pos="0">
+                  <a:schemeClr val="accent5"/>
+                </a:gs>
+                <a:gs pos="100000">
+                  <a:schemeClr val="accent2"/>
+                </a:gs>
+              </a:gsLst>
+              <a:lin ang="1800000" scaled="0"/>
+            </a:gradFill>
+            <a:ln>
+              <a:noFill/>
+            </a:ln>
+          </p:spPr>
+          <p:style>
+            <a:lnRef idx="2">
+              <a:schemeClr val="accent1">
+                <a:shade val="50000"/>
+              </a:schemeClr>
+            </a:lnRef>
+            <a:fillRef idx="1">
+              <a:schemeClr val="accent1"/>
+            </a:fillRef>
+            <a:effectRef idx="0">
+              <a:schemeClr val="accent1"/>
+            </a:effectRef>
+            <a:fontRef idx="minor">
+              <a:schemeClr val="lt1"/>
+            </a:fontRef>
+          </p:style>
+          <p:txBody>
+            <a:bodyPr rtlCol="0" anchor="ctr"/>
+            <a:lstStyle/>
+            <a:p>
+              <a:pPr algn="ctr"/>
+              <a:endParaRPr lang="en-US"/>
+            </a:p>
+          </p:txBody>
+        </p:sp>
+        <p:sp>
+          <p:nvSpPr>
+            <p:cNvPr id="11" name="Rectangle 10">
+              <a:extLst>
+                <a:ext uri="{FF2B5EF4-FFF2-40B4-BE49-F238E27FC236}">
+                  <a16:creationId xmlns:a16="http://schemas.microsoft.com/office/drawing/2014/main" id="{5B2D6870-BDC0-AE8B-A7F5-D570327D12E0}"/>
+                </a:ext>
+                <a:ext uri="{C183D7F6-B498-43B3-948B-1728B52AA6E4}">
+                  <adec:decorative xmlns:adec="http://schemas.microsoft.com/office/drawing/2017/decorative" val="1"/>
+                </a:ext>
+              </a:extLst>
+            </p:cNvPr>
+            <p:cNvSpPr/>
+            <p:nvPr>
+              <p:extLst>
+                <p:ext uri="{386F3935-93C4-4BCD-93E2-E3B085C9AB24}">
+                  <p16:designElem xmlns:p16="http://schemas.microsoft.com/office/powerpoint/2015/main" val="1"/>
+                </p:ext>
+              </p:extLst>
+            </p:nvPr>
+          </p:nvSpPr>
+          <p:spPr>
+            <a:xfrm rot="16200000">
+              <a:off x="9176406" y="3835311"/>
+              <a:ext cx="123362" cy="5928176"/>
+            </a:xfrm>
+            <a:prstGeom prst="rect">
+              <a:avLst/>
+            </a:prstGeom>
+            <a:gradFill>
+              <a:gsLst>
+                <a:gs pos="19000">
+                  <a:schemeClr val="accent5">
+                    <a:alpha val="0"/>
+                  </a:schemeClr>
+                </a:gs>
+                <a:gs pos="100000">
+                  <a:schemeClr val="accent5">
+                    <a:lumMod val="60000"/>
+                    <a:lumOff val="40000"/>
+                  </a:schemeClr>
+                </a:gs>
+              </a:gsLst>
+              <a:lin ang="600000" scaled="0"/>
+            </a:gradFill>
+            <a:ln>
+              <a:noFill/>
+            </a:ln>
+          </p:spPr>
+          <p:style>
+            <a:lnRef idx="2">
+              <a:schemeClr val="accent1">
+                <a:shade val="50000"/>
+              </a:schemeClr>
+            </a:lnRef>
+            <a:fillRef idx="1">
+              <a:schemeClr val="accent1"/>
+            </a:fillRef>
+            <a:effectRef idx="0">
+              <a:schemeClr val="accent1"/>
+            </a:effectRef>
+            <a:fontRef idx="minor">
+              <a:schemeClr val="lt1"/>
+            </a:fontRef>
+          </p:style>
+          <p:txBody>
+            <a:bodyPr rtlCol="0" anchor="ctr"/>
+            <a:lstStyle/>
+            <a:p>
+              <a:pPr algn="ctr"/>
+              <a:endParaRPr lang="en-US"/>
+            </a:p>
+          </p:txBody>
+        </p:sp>
+      </p:grpSp>
+      <p:graphicFrame>
+        <p:nvGraphicFramePr>
+          <p:cNvPr id="4" name="Inhaltsplatzhalter 3">
+            <a:extLst>
+              <a:ext uri="{FF2B5EF4-FFF2-40B4-BE49-F238E27FC236}">
+                <a16:creationId xmlns:a16="http://schemas.microsoft.com/office/drawing/2014/main" id="{D5154203-F000-3938-2FB1-7AA57B986D2D}"/>
+              </a:ext>
+            </a:extLst>
+          </p:cNvPr>
+          <p:cNvGraphicFramePr>
+            <a:graphicFrameLocks noGrp="1"/>
+          </p:cNvGraphicFramePr>
+          <p:nvPr>
+            <p:ph idx="1"/>
+            <p:extLst>
+              <p:ext uri="{D42A27DB-BD31-4B8C-83A1-F6EECF244321}">
+                <p14:modId xmlns:p14="http://schemas.microsoft.com/office/powerpoint/2010/main" val="3770868531"/>
+              </p:ext>
+            </p:extLst>
+          </p:nvPr>
+        </p:nvGraphicFramePr>
+        <p:xfrm>
+          <a:off x="4097541" y="896528"/>
+          <a:ext cx="4456124" cy="4923085"/>
+        </p:xfrm>
+        <a:graphic>
+          <a:graphicData uri="http://schemas.openxmlformats.org/drawingml/2006/table">
+            <a:tbl>
+              <a:tblPr>
+                <a:solidFill>
+                  <a:srgbClr val="404040"/>
+                </a:solidFill>
+              </a:tblPr>
+              <a:tblGrid>
+                <a:gridCol w="2217190">
+                  <a:extLst>
+                    <a:ext uri="{9D8B030D-6E8A-4147-A177-3AD203B41FA5}">
+                      <a16:colId xmlns:a16="http://schemas.microsoft.com/office/drawing/2014/main" val="1930802745"/>
+                    </a:ext>
+                  </a:extLst>
+                </a:gridCol>
+                <a:gridCol w="2238934">
+                  <a:extLst>
+                    <a:ext uri="{9D8B030D-6E8A-4147-A177-3AD203B41FA5}">
+                      <a16:colId xmlns:a16="http://schemas.microsoft.com/office/drawing/2014/main" val="129419193"/>
+                    </a:ext>
+                  </a:extLst>
+                </a:gridCol>
+              </a:tblGrid>
+              <a:tr h="433805">
+                <a:tc>
+                  <a:txBody>
+                    <a:bodyPr/>
+                    <a:lstStyle/>
+                    <a:p>
+                      <a:pPr algn="l" fontAlgn="t"/>
+                      <a:r>
+                        <a:rPr lang="de-DE" sz="1500" cap="none" spc="0">
+                          <a:solidFill>
+                            <a:schemeClr val="bg1"/>
+                          </a:solidFill>
+                          <a:effectLst/>
+                        </a:rPr>
+                        <a:t>Zweck</a:t>
+                      </a:r>
+                    </a:p>
+                  </a:txBody>
+                  <a:tcPr marL="93411" marR="93411" marT="113852" marB="46706">
+                    <a:lnL w="12700" cmpd="sng">
+                      <a:noFill/>
+                      <a:prstDash val="solid"/>
+                    </a:lnL>
+                    <a:lnR w="12700" cmpd="sng">
+                      <a:noFill/>
+                      <a:prstDash val="solid"/>
+                    </a:lnR>
+                    <a:lnT w="12700" cap="flat" cmpd="sng" algn="ctr">
+                      <a:solidFill>
+                        <a:schemeClr val="bg1">
+                          <a:lumMod val="75000"/>
+                        </a:schemeClr>
+                      </a:solidFill>
+                      <a:prstDash val="solid"/>
+                    </a:lnT>
+                    <a:lnB w="12700" cmpd="sng">
+                      <a:noFill/>
+                      <a:prstDash val="solid"/>
+                    </a:lnB>
+                    <a:solidFill>
+                      <a:srgbClr val="404040"/>
+                    </a:solidFill>
+                  </a:tcPr>
+                </a:tc>
+                <a:tc>
+                  <a:txBody>
+                    <a:bodyPr/>
+                    <a:lstStyle/>
+                    <a:p>
+                      <a:pPr algn="l" fontAlgn="t"/>
+                      <a:r>
+                        <a:rPr lang="de-DE" sz="1500" cap="none" spc="0">
+                          <a:solidFill>
+                            <a:schemeClr val="bg1"/>
+                          </a:solidFill>
+                          <a:effectLst/>
+                        </a:rPr>
+                        <a:t>Aktion</a:t>
+                      </a:r>
+                    </a:p>
+                  </a:txBody>
+                  <a:tcPr marL="93411" marR="93411" marT="113852" marB="46706">
+                    <a:lnL w="12700" cmpd="sng">
+                      <a:noFill/>
+                      <a:prstDash val="solid"/>
+                    </a:lnL>
+                    <a:lnR w="12700" cmpd="sng">
+                      <a:noFill/>
+                      <a:prstDash val="solid"/>
+                    </a:lnR>
+                    <a:lnT w="12700" cap="flat" cmpd="sng" algn="ctr">
+                      <a:solidFill>
+                        <a:schemeClr val="bg1">
+                          <a:lumMod val="75000"/>
+                        </a:schemeClr>
+                      </a:solidFill>
+                      <a:prstDash val="solid"/>
+                    </a:lnT>
+                    <a:lnB w="12700" cmpd="sng">
+                      <a:noFill/>
+                      <a:prstDash val="solid"/>
+                    </a:lnB>
+                    <a:solidFill>
+                      <a:srgbClr val="404040"/>
+                    </a:solidFill>
+                  </a:tcPr>
+                </a:tc>
+                <a:extLst>
+                  <a:ext uri="{0D108BD9-81ED-4DB2-BD59-A6C34878D82A}">
+                    <a16:rowId xmlns:a16="http://schemas.microsoft.com/office/drawing/2014/main" val="2317147082"/>
+                  </a:ext>
+                </a:extLst>
+              </a:tr>
+              <a:tr h="1344624">
+                <a:tc>
+                  <a:txBody>
+                    <a:bodyPr/>
+                    <a:lstStyle/>
+                    <a:p>
+                      <a:pPr algn="l" fontAlgn="t"/>
+                      <a:r>
+                        <a:rPr lang="de-DE" sz="1500" u="none" strike="noStrike" cap="none" spc="0">
+                          <a:solidFill>
+                            <a:schemeClr val="bg1"/>
+                          </a:solidFill>
+                          <a:effectLst/>
+                          <a:hlinkClick r:id="rId2">
+                            <a:extLst>
+                              <a:ext uri="{A12FA001-AC4F-418D-AE19-62706E023703}">
+                                <ahyp:hlinkClr xmlns:ahyp="http://schemas.microsoft.com/office/drawing/2018/hyperlinkcolor" val="tx"/>
+                              </a:ext>
+                            </a:extLst>
+                          </a:hlinkClick>
+                        </a:rPr>
+                        <a:t>Verarbeiten von Dateiuploads</a:t>
+                      </a:r>
+                      <a:endParaRPr lang="de-DE" sz="1500" cap="none" spc="0">
+                        <a:solidFill>
+                          <a:schemeClr val="bg1"/>
+                        </a:solidFill>
+                        <a:effectLst/>
+                      </a:endParaRPr>
+                    </a:p>
+                  </a:txBody>
+                  <a:tcPr marL="93411" marR="93411" marT="113852" marB="46706">
+                    <a:lnL w="12700" cmpd="sng">
+                      <a:noFill/>
+                      <a:prstDash val="solid"/>
+                    </a:lnL>
+                    <a:lnR w="12700" cmpd="sng">
+                      <a:noFill/>
+                      <a:prstDash val="solid"/>
+                    </a:lnR>
+                    <a:lnT w="12700" cmpd="sng">
+                      <a:noFill/>
+                      <a:prstDash val="solid"/>
+                    </a:lnT>
+                    <a:lnB w="12700" cmpd="sng">
+                      <a:noFill/>
+                      <a:prstDash val="solid"/>
+                    </a:lnB>
+                    <a:solidFill>
+                      <a:srgbClr val="404040"/>
+                    </a:solidFill>
+                  </a:tcPr>
+                </a:tc>
+                <a:tc>
+                  <a:txBody>
+                    <a:bodyPr/>
+                    <a:lstStyle/>
+                    <a:p>
+                      <a:pPr algn="l" fontAlgn="t"/>
+                      <a:r>
+                        <a:rPr lang="de-DE" sz="1500" cap="none" spc="0">
+                          <a:solidFill>
+                            <a:schemeClr val="bg1"/>
+                          </a:solidFill>
+                          <a:effectLst/>
+                        </a:rPr>
+                        <a:t>Ausführen von Code, wenn eine Datei im Blobspeicher hochgeladen oder geändert wird</a:t>
+                      </a:r>
+                    </a:p>
+                  </a:txBody>
+                  <a:tcPr marL="93411" marR="93411" marT="113852" marB="46706">
+                    <a:lnL w="12700" cmpd="sng">
+                      <a:noFill/>
+                      <a:prstDash val="solid"/>
+                    </a:lnL>
+                    <a:lnR w="12700" cmpd="sng">
+                      <a:noFill/>
+                      <a:prstDash val="solid"/>
+                    </a:lnR>
+                    <a:lnT w="12700" cmpd="sng">
+                      <a:noFill/>
+                      <a:prstDash val="solid"/>
+                    </a:lnT>
+                    <a:lnB w="12700" cmpd="sng">
+                      <a:noFill/>
+                      <a:prstDash val="solid"/>
+                    </a:lnB>
+                    <a:solidFill>
+                      <a:srgbClr val="404040"/>
+                    </a:solidFill>
+                  </a:tcPr>
+                </a:tc>
+                <a:extLst>
+                  <a:ext uri="{0D108BD9-81ED-4DB2-BD59-A6C34878D82A}">
+                    <a16:rowId xmlns:a16="http://schemas.microsoft.com/office/drawing/2014/main" val="702825249"/>
+                  </a:ext>
+                </a:extLst>
+              </a:tr>
+              <a:tr h="1572328">
+                <a:tc>
+                  <a:txBody>
+                    <a:bodyPr/>
+                    <a:lstStyle/>
+                    <a:p>
+                      <a:pPr algn="l" fontAlgn="t"/>
+                      <a:r>
+                        <a:rPr lang="de-DE" sz="1500" u="none" strike="noStrike" cap="none" spc="0">
+                          <a:solidFill>
+                            <a:schemeClr val="bg1"/>
+                          </a:solidFill>
+                          <a:effectLst/>
+                          <a:hlinkClick r:id="rId3">
+                            <a:extLst>
+                              <a:ext uri="{A12FA001-AC4F-418D-AE19-62706E023703}">
+                                <ahyp:hlinkClr xmlns:ahyp="http://schemas.microsoft.com/office/drawing/2018/hyperlinkcolor" val="tx"/>
+                              </a:ext>
+                            </a:extLst>
+                          </a:hlinkClick>
+                        </a:rPr>
+                        <a:t>Verarbeiten von Daten in Echtzeit</a:t>
+                      </a:r>
+                      <a:endParaRPr lang="de-DE" sz="1500" cap="none" spc="0">
+                        <a:solidFill>
+                          <a:schemeClr val="bg1"/>
+                        </a:solidFill>
+                        <a:effectLst/>
+                      </a:endParaRPr>
+                    </a:p>
+                  </a:txBody>
+                  <a:tcPr marL="93411" marR="93411" marT="113852" marB="46706">
+                    <a:lnL w="12700" cmpd="sng">
+                      <a:noFill/>
+                      <a:prstDash val="solid"/>
+                    </a:lnL>
+                    <a:lnR w="12700" cmpd="sng">
+                      <a:noFill/>
+                      <a:prstDash val="solid"/>
+                    </a:lnR>
+                    <a:lnT w="12700" cmpd="sng">
+                      <a:noFill/>
+                      <a:prstDash val="solid"/>
+                    </a:lnT>
+                    <a:lnB w="12700" cmpd="sng">
+                      <a:noFill/>
+                      <a:prstDash val="solid"/>
+                    </a:lnB>
+                    <a:solidFill>
+                      <a:srgbClr val="404040"/>
+                    </a:solidFill>
+                  </a:tcPr>
+                </a:tc>
+                <a:tc>
+                  <a:txBody>
+                    <a:bodyPr/>
+                    <a:lstStyle/>
+                    <a:p>
+                      <a:pPr algn="l" fontAlgn="t"/>
+                      <a:r>
+                        <a:rPr lang="de-DE" sz="1500" cap="none" spc="0">
+                          <a:solidFill>
+                            <a:schemeClr val="bg1"/>
+                          </a:solidFill>
+                          <a:effectLst/>
+                        </a:rPr>
+                        <a:t>Erfassen und Transformieren von Daten aus Ereignis- und IoT-Quelldatenströmen auf dem Weg zum Speicher.</a:t>
+                      </a:r>
+                    </a:p>
+                  </a:txBody>
+                  <a:tcPr marL="93411" marR="93411" marT="113852" marB="46706">
+                    <a:lnL w="12700" cmpd="sng">
+                      <a:noFill/>
+                      <a:prstDash val="solid"/>
+                    </a:lnL>
+                    <a:lnR w="12700" cmpd="sng">
+                      <a:noFill/>
+                      <a:prstDash val="solid"/>
+                    </a:lnR>
+                    <a:lnT w="12700" cmpd="sng">
+                      <a:noFill/>
+                      <a:prstDash val="solid"/>
+                    </a:lnT>
+                    <a:lnB w="12700" cmpd="sng">
+                      <a:noFill/>
+                      <a:prstDash val="solid"/>
+                    </a:lnB>
+                    <a:solidFill>
+                      <a:srgbClr val="404040"/>
+                    </a:solidFill>
+                  </a:tcPr>
+                </a:tc>
+                <a:extLst>
+                  <a:ext uri="{0D108BD9-81ED-4DB2-BD59-A6C34878D82A}">
+                    <a16:rowId xmlns:a16="http://schemas.microsoft.com/office/drawing/2014/main" val="3418827369"/>
+                  </a:ext>
+                </a:extLst>
+              </a:tr>
+              <a:tr h="1572328">
+                <a:tc>
+                  <a:txBody>
+                    <a:bodyPr/>
+                    <a:lstStyle/>
+                    <a:p>
+                      <a:pPr algn="l" fontAlgn="t"/>
+                      <a:r>
+                        <a:rPr lang="de-DE" sz="1500" u="none" strike="noStrike" cap="none" spc="0">
+                          <a:solidFill>
+                            <a:schemeClr val="bg1"/>
+                          </a:solidFill>
+                          <a:effectLst/>
+                          <a:hlinkClick r:id="rId4">
+                            <a:extLst>
+                              <a:ext uri="{A12FA001-AC4F-418D-AE19-62706E023703}">
+                                <ahyp:hlinkClr xmlns:ahyp="http://schemas.microsoft.com/office/drawing/2018/hyperlinkcolor" val="tx"/>
+                              </a:ext>
+                            </a:extLst>
+                          </a:hlinkClick>
+                        </a:rPr>
+                        <a:t>Ableiten von Datenmodellen</a:t>
+                      </a:r>
+                      <a:endParaRPr lang="de-DE" sz="1500" cap="none" spc="0">
+                        <a:solidFill>
+                          <a:schemeClr val="bg1"/>
+                        </a:solidFill>
+                        <a:effectLst/>
+                      </a:endParaRPr>
+                    </a:p>
+                  </a:txBody>
+                  <a:tcPr marL="93411" marR="93411" marT="113852" marB="46706">
+                    <a:lnL w="12700" cmpd="sng">
+                      <a:noFill/>
+                      <a:prstDash val="solid"/>
+                    </a:lnL>
+                    <a:lnR w="12700" cmpd="sng">
+                      <a:noFill/>
+                      <a:prstDash val="solid"/>
+                    </a:lnR>
+                    <a:lnT w="12700" cmpd="sng">
+                      <a:noFill/>
+                      <a:prstDash val="solid"/>
+                    </a:lnT>
+                    <a:lnB w="12700" cmpd="sng">
+                      <a:noFill/>
+                      <a:prstDash val="solid"/>
+                    </a:lnB>
+                    <a:solidFill>
+                      <a:srgbClr val="404040"/>
+                    </a:solidFill>
+                  </a:tcPr>
+                </a:tc>
+                <a:tc>
+                  <a:txBody>
+                    <a:bodyPr/>
+                    <a:lstStyle/>
+                    <a:p>
+                      <a:pPr algn="l" fontAlgn="t"/>
+                      <a:r>
+                        <a:rPr lang="de-DE" sz="1500" cap="none" spc="0">
+                          <a:solidFill>
+                            <a:schemeClr val="bg1"/>
+                          </a:solidFill>
+                          <a:effectLst/>
+                        </a:rPr>
+                        <a:t>Pullen von Text aus einer Warteschlange und Verwenden für verschiedene KI-Dienste zur Analyse und Klassifizierung.</a:t>
+                      </a:r>
+                    </a:p>
+                  </a:txBody>
+                  <a:tcPr marL="93411" marR="93411" marT="113852" marB="46706">
+                    <a:lnL w="12700" cmpd="sng">
+                      <a:noFill/>
+                      <a:prstDash val="solid"/>
+                    </a:lnL>
+                    <a:lnR w="12700" cmpd="sng">
+                      <a:noFill/>
+                      <a:prstDash val="solid"/>
+                    </a:lnR>
+                    <a:lnT w="12700" cmpd="sng">
+                      <a:noFill/>
+                      <a:prstDash val="solid"/>
+                    </a:lnT>
+                    <a:lnB w="12700" cmpd="sng">
+                      <a:noFill/>
+                      <a:prstDash val="solid"/>
+                    </a:lnB>
+                    <a:solidFill>
+                      <a:srgbClr val="404040"/>
+                    </a:solidFill>
+                  </a:tcPr>
+                </a:tc>
+                <a:extLst>
+                  <a:ext uri="{0D108BD9-81ED-4DB2-BD59-A6C34878D82A}">
+                    <a16:rowId xmlns:a16="http://schemas.microsoft.com/office/drawing/2014/main" val="54877348"/>
+                  </a:ext>
+                </a:extLst>
+              </a:tr>
+            </a:tbl>
+          </a:graphicData>
+        </a:graphic>
+      </p:graphicFrame>
+    </p:spTree>
+    <p:extLst>
+      <p:ext uri="{BB962C8B-B14F-4D97-AF65-F5344CB8AC3E}">
+        <p14:creationId xmlns:p14="http://schemas.microsoft.com/office/powerpoint/2010/main" val="1913631316"/>
+      </p:ext>
+    </p:extLst>
+  </p:cSld>
+  <p:clrMapOvr>
+    <a:masterClrMapping/>
+  </p:clrMapOvr>
+</p:sld>
+</file>
+
+<file path=ppt/slides/slide23.xml><?xml version="1.0" encoding="utf-8"?>
+<p:sld xmlns:a="http://schemas.openxmlformats.org/drawingml/2006/main" xmlns:r="http://schemas.openxmlformats.org/officeDocument/2006/relationships" xmlns:p="http://schemas.openxmlformats.org/presentationml/2006/main">
+  <p:cSld>
+    <p:bg>
+      <p:bgPr>
+        <a:solidFill>
+          <a:schemeClr val="bg1"/>
+        </a:solidFill>
+        <a:effectLst/>
+      </p:bgPr>
+    </p:bg>
+    <p:spTree>
+      <p:nvGrpSpPr>
+        <p:cNvPr id="1" name=""/>
+        <p:cNvGrpSpPr/>
+        <p:nvPr/>
+      </p:nvGrpSpPr>
+      <p:grpSpPr>
+        <a:xfrm>
+          <a:off x="0" y="0"/>
+          <a:ext cx="0" cy="0"/>
+          <a:chOff x="0" y="0"/>
+          <a:chExt cx="0" cy="0"/>
+        </a:xfrm>
+      </p:grpSpPr>
+      <p:sp>
+        <p:nvSpPr>
+          <p:cNvPr id="2" name="Titel 1">
+            <a:extLst>
+              <a:ext uri="{FF2B5EF4-FFF2-40B4-BE49-F238E27FC236}">
+                <a16:creationId xmlns:a16="http://schemas.microsoft.com/office/drawing/2014/main" id="{D072B93E-96E0-F6D6-8E72-42E05FE4CC31}"/>
+              </a:ext>
+            </a:extLst>
+          </p:cNvPr>
+          <p:cNvSpPr>
+            <a:spLocks noGrp="1"/>
+          </p:cNvSpPr>
+          <p:nvPr>
+            <p:ph type="title"/>
+          </p:nvPr>
+        </p:nvSpPr>
+        <p:spPr>
+          <a:xfrm>
+            <a:off x="628649" y="1320126"/>
+            <a:ext cx="2855047" cy="3072359"/>
+          </a:xfrm>
+        </p:spPr>
+        <p:txBody>
+          <a:bodyPr vert="horz" lIns="91440" tIns="45720" rIns="91440" bIns="45720" rtlCol="0" anchor="t">
+            <a:normAutofit/>
+          </a:bodyPr>
+          <a:lstStyle/>
+          <a:p>
+            <a:r>
+              <a:rPr lang="en-US" sz="3500" kern="1200" dirty="0" err="1">
+                <a:solidFill>
+                  <a:schemeClr val="tx1"/>
+                </a:solidFill>
+                <a:latin typeface="+mj-lt"/>
+                <a:ea typeface="+mj-ea"/>
+                <a:cs typeface="+mj-cs"/>
+              </a:rPr>
+              <a:t>Szenarien</a:t>
+            </a:r>
+            <a:r>
+              <a:rPr lang="en-US" sz="3500" kern="1200" dirty="0">
+                <a:solidFill>
+                  <a:schemeClr val="tx1"/>
+                </a:solidFill>
+                <a:latin typeface="+mj-lt"/>
+                <a:ea typeface="+mj-ea"/>
+                <a:cs typeface="+mj-cs"/>
+              </a:rPr>
+              <a:t> ff.</a:t>
+            </a:r>
+          </a:p>
+        </p:txBody>
+      </p:sp>
+      <p:grpSp>
+        <p:nvGrpSpPr>
+          <p:cNvPr id="9" name="Group 8">
+            <a:extLst>
+              <a:ext uri="{FF2B5EF4-FFF2-40B4-BE49-F238E27FC236}">
+                <a16:creationId xmlns:a16="http://schemas.microsoft.com/office/drawing/2014/main" id="{71E4E172-1EA7-E251-8265-AD4D67315470}"/>
+              </a:ext>
+              <a:ext uri="{C183D7F6-B498-43B3-948B-1728B52AA6E4}">
+                <adec:decorative xmlns:adec="http://schemas.microsoft.com/office/drawing/2017/decorative" val="1"/>
+              </a:ext>
+            </a:extLst>
+          </p:cNvPr>
+          <p:cNvGrpSpPr>
+            <a:grpSpLocks noGrp="1" noUngrp="1" noRot="1" noChangeAspect="1" noMove="1" noResize="1"/>
+          </p:cNvGrpSpPr>
+          <p:nvPr>
+            <p:extLst>
+              <p:ext uri="{386F3935-93C4-4BCD-93E2-E3B085C9AB24}">
+                <p16:designElem xmlns:p16="http://schemas.microsoft.com/office/powerpoint/2015/main" val="1"/>
+              </p:ext>
+            </p:extLst>
+          </p:nvPr>
+        </p:nvGrpSpPr>
+        <p:grpSpPr>
+          <a:xfrm>
+            <a:off x="-3768" y="6737718"/>
+            <a:ext cx="9155399" cy="123363"/>
+            <a:chOff x="-5025" y="6737718"/>
+            <a:chExt cx="12207200" cy="123363"/>
+          </a:xfrm>
+        </p:grpSpPr>
+        <p:sp>
+          <p:nvSpPr>
+            <p:cNvPr id="10" name="Rectangle 9">
+              <a:extLst>
+                <a:ext uri="{FF2B5EF4-FFF2-40B4-BE49-F238E27FC236}">
+                  <a16:creationId xmlns:a16="http://schemas.microsoft.com/office/drawing/2014/main" id="{B36EE4C1-7905-4652-A645-D2C3112E2F79}"/>
+                </a:ext>
+                <a:ext uri="{C183D7F6-B498-43B3-948B-1728B52AA6E4}">
+                  <adec:decorative xmlns:adec="http://schemas.microsoft.com/office/drawing/2017/decorative" val="1"/>
+                </a:ext>
+              </a:extLst>
+            </p:cNvPr>
+            <p:cNvSpPr/>
+            <p:nvPr>
+              <p:extLst>
+                <p:ext uri="{386F3935-93C4-4BCD-93E2-E3B085C9AB24}">
+                  <p16:designElem xmlns:p16="http://schemas.microsoft.com/office/powerpoint/2015/main" val="1"/>
+                </p:ext>
+              </p:extLst>
+            </p:nvPr>
+          </p:nvSpPr>
+          <p:spPr>
+            <a:xfrm rot="5400000" flipH="1">
+              <a:off x="6036894" y="695800"/>
+              <a:ext cx="123362" cy="12207199"/>
+            </a:xfrm>
+            <a:prstGeom prst="rect">
+              <a:avLst/>
+            </a:prstGeom>
+            <a:gradFill>
+              <a:gsLst>
+                <a:gs pos="0">
+                  <a:schemeClr val="accent5"/>
+                </a:gs>
+                <a:gs pos="100000">
+                  <a:schemeClr val="accent2"/>
+                </a:gs>
+              </a:gsLst>
+              <a:lin ang="1800000" scaled="0"/>
+            </a:gradFill>
+            <a:ln>
+              <a:noFill/>
+            </a:ln>
+          </p:spPr>
+          <p:style>
+            <a:lnRef idx="2">
+              <a:schemeClr val="accent1">
+                <a:shade val="50000"/>
+              </a:schemeClr>
+            </a:lnRef>
+            <a:fillRef idx="1">
+              <a:schemeClr val="accent1"/>
+            </a:fillRef>
+            <a:effectRef idx="0">
+              <a:schemeClr val="accent1"/>
+            </a:effectRef>
+            <a:fontRef idx="minor">
+              <a:schemeClr val="lt1"/>
+            </a:fontRef>
+          </p:style>
+          <p:txBody>
+            <a:bodyPr rtlCol="0" anchor="ctr"/>
+            <a:lstStyle/>
+            <a:p>
+              <a:pPr algn="ctr"/>
+              <a:endParaRPr lang="en-US"/>
+            </a:p>
+          </p:txBody>
+        </p:sp>
+        <p:sp>
+          <p:nvSpPr>
+            <p:cNvPr id="11" name="Rectangle 10">
+              <a:extLst>
+                <a:ext uri="{FF2B5EF4-FFF2-40B4-BE49-F238E27FC236}">
+                  <a16:creationId xmlns:a16="http://schemas.microsoft.com/office/drawing/2014/main" id="{5B2D6870-BDC0-AE8B-A7F5-D570327D12E0}"/>
+                </a:ext>
+                <a:ext uri="{C183D7F6-B498-43B3-948B-1728B52AA6E4}">
+                  <adec:decorative xmlns:adec="http://schemas.microsoft.com/office/drawing/2017/decorative" val="1"/>
+                </a:ext>
+              </a:extLst>
+            </p:cNvPr>
+            <p:cNvSpPr/>
+            <p:nvPr>
+              <p:extLst>
+                <p:ext uri="{386F3935-93C4-4BCD-93E2-E3B085C9AB24}">
+                  <p16:designElem xmlns:p16="http://schemas.microsoft.com/office/powerpoint/2015/main" val="1"/>
+                </p:ext>
+              </p:extLst>
+            </p:nvPr>
+          </p:nvSpPr>
+          <p:spPr>
+            <a:xfrm rot="16200000">
+              <a:off x="9176406" y="3835311"/>
+              <a:ext cx="123362" cy="5928176"/>
+            </a:xfrm>
+            <a:prstGeom prst="rect">
+              <a:avLst/>
+            </a:prstGeom>
+            <a:gradFill>
+              <a:gsLst>
+                <a:gs pos="19000">
+                  <a:schemeClr val="accent5">
+                    <a:alpha val="0"/>
+                  </a:schemeClr>
+                </a:gs>
+                <a:gs pos="100000">
+                  <a:schemeClr val="accent5">
+                    <a:lumMod val="60000"/>
+                    <a:lumOff val="40000"/>
+                  </a:schemeClr>
+                </a:gs>
+              </a:gsLst>
+              <a:lin ang="600000" scaled="0"/>
+            </a:gradFill>
+            <a:ln>
+              <a:noFill/>
+            </a:ln>
+          </p:spPr>
+          <p:style>
+            <a:lnRef idx="2">
+              <a:schemeClr val="accent1">
+                <a:shade val="50000"/>
+              </a:schemeClr>
+            </a:lnRef>
+            <a:fillRef idx="1">
+              <a:schemeClr val="accent1"/>
+            </a:fillRef>
+            <a:effectRef idx="0">
+              <a:schemeClr val="accent1"/>
+            </a:effectRef>
+            <a:fontRef idx="minor">
+              <a:schemeClr val="lt1"/>
+            </a:fontRef>
+          </p:style>
+          <p:txBody>
+            <a:bodyPr rtlCol="0" anchor="ctr"/>
+            <a:lstStyle/>
+            <a:p>
+              <a:pPr algn="ctr"/>
+              <a:endParaRPr lang="en-US"/>
+            </a:p>
+          </p:txBody>
+        </p:sp>
+      </p:grpSp>
+      <p:graphicFrame>
+        <p:nvGraphicFramePr>
+          <p:cNvPr id="4" name="Inhaltsplatzhalter 3">
+            <a:extLst>
+              <a:ext uri="{FF2B5EF4-FFF2-40B4-BE49-F238E27FC236}">
+                <a16:creationId xmlns:a16="http://schemas.microsoft.com/office/drawing/2014/main" id="{81B80AE7-466D-5462-4E2A-FC5621E820D8}"/>
+              </a:ext>
+            </a:extLst>
+          </p:cNvPr>
+          <p:cNvGraphicFramePr>
+            <a:graphicFrameLocks noGrp="1"/>
+          </p:cNvGraphicFramePr>
+          <p:nvPr>
+            <p:ph idx="1"/>
+            <p:extLst>
+              <p:ext uri="{D42A27DB-BD31-4B8C-83A1-F6EECF244321}">
+                <p14:modId xmlns:p14="http://schemas.microsoft.com/office/powerpoint/2010/main" val="409692776"/>
+              </p:ext>
+            </p:extLst>
+          </p:nvPr>
+        </p:nvGraphicFramePr>
+        <p:xfrm>
+          <a:off x="4097541" y="1024982"/>
+          <a:ext cx="4456123" cy="5177028"/>
+        </p:xfrm>
+        <a:graphic>
+          <a:graphicData uri="http://schemas.openxmlformats.org/drawingml/2006/table">
+            <a:tbl>
+              <a:tblPr/>
+              <a:tblGrid>
+                <a:gridCol w="2169058">
+                  <a:extLst>
+                    <a:ext uri="{9D8B030D-6E8A-4147-A177-3AD203B41FA5}">
+                      <a16:colId xmlns:a16="http://schemas.microsoft.com/office/drawing/2014/main" val="3552295383"/>
+                    </a:ext>
+                  </a:extLst>
+                </a:gridCol>
+                <a:gridCol w="2287065">
+                  <a:extLst>
+                    <a:ext uri="{9D8B030D-6E8A-4147-A177-3AD203B41FA5}">
+                      <a16:colId xmlns:a16="http://schemas.microsoft.com/office/drawing/2014/main" val="595965561"/>
+                    </a:ext>
+                  </a:extLst>
+                </a:gridCol>
+              </a:tblGrid>
+              <a:tr h="1639924">
+                <a:tc>
+                  <a:txBody>
+                    <a:bodyPr/>
+                    <a:lstStyle/>
+                    <a:p>
+                      <a:pPr algn="l" fontAlgn="t">
+                        <a:spcBef>
+                          <a:spcPts val="0"/>
+                        </a:spcBef>
+                        <a:spcAft>
+                          <a:spcPts val="0"/>
+                        </a:spcAft>
+                      </a:pPr>
+                      <a:r>
+                        <a:rPr lang="de-DE" sz="1700" b="0" i="0" u="none" strike="noStrike">
+                          <a:solidFill>
+                            <a:srgbClr val="A4A4A4"/>
+                          </a:solidFill>
+                          <a:effectLst/>
+                          <a:highlight>
+                            <a:srgbClr val="171717"/>
+                          </a:highlight>
+                          <a:latin typeface="Arial" panose="020B0604020202020204" pitchFamily="34" charset="0"/>
+                          <a:hlinkClick r:id="rId2">
+                            <a:extLst>
+                              <a:ext uri="{A12FA001-AC4F-418D-AE19-62706E023703}">
+                                <ahyp:hlinkClr xmlns:ahyp="http://schemas.microsoft.com/office/drawing/2018/hyperlinkcolor" val="tx"/>
+                              </a:ext>
+                            </a:extLst>
+                          </a:hlinkClick>
+                        </a:rPr>
+                        <a:t>Ausführen einer geplanten Aufgabe</a:t>
+                      </a:r>
+                      <a:endParaRPr lang="de-DE" sz="1700" b="0" i="0" u="none" strike="noStrike">
+                        <a:solidFill>
+                          <a:srgbClr val="A4A4A4"/>
+                        </a:solidFill>
+                        <a:effectLst/>
+                        <a:highlight>
+                          <a:srgbClr val="171717"/>
+                        </a:highlight>
+                        <a:latin typeface="Arial" panose="020B0604020202020204" pitchFamily="34" charset="0"/>
+                      </a:endParaRPr>
+                    </a:p>
+                  </a:txBody>
+                  <a:tcPr marL="84532" marR="84532" marT="42266" marB="42266">
+                    <a:lnL>
+                      <a:noFill/>
+                    </a:lnL>
+                    <a:lnR>
+                      <a:noFill/>
+                    </a:lnR>
+                    <a:lnT>
+                      <a:noFill/>
+                    </a:lnT>
+                    <a:lnB>
+                      <a:noFill/>
+                    </a:lnB>
+                    <a:solidFill>
+                      <a:srgbClr val="171717"/>
+                    </a:solidFill>
+                  </a:tcPr>
+                </a:tc>
+                <a:tc>
+                  <a:txBody>
+                    <a:bodyPr/>
+                    <a:lstStyle/>
+                    <a:p>
+                      <a:pPr algn="l" fontAlgn="t">
+                        <a:spcBef>
+                          <a:spcPts val="0"/>
+                        </a:spcBef>
+                        <a:spcAft>
+                          <a:spcPts val="0"/>
+                        </a:spcAft>
+                      </a:pPr>
+                      <a:r>
+                        <a:rPr lang="de-DE" sz="1700" b="0" i="0" u="none" strike="noStrike">
+                          <a:effectLst/>
+                          <a:highlight>
+                            <a:srgbClr val="171717"/>
+                          </a:highlight>
+                          <a:latin typeface="Arial" panose="020B0604020202020204" pitchFamily="34" charset="0"/>
+                        </a:rPr>
+                        <a:t>Führen Sie Bereinigungscode für Daten in vordefinierten zeitgesteuerten Intervallen aus.</a:t>
+                      </a:r>
+                    </a:p>
+                  </a:txBody>
+                  <a:tcPr marL="84532" marR="84532" marT="42266" marB="42266">
+                    <a:lnL>
+                      <a:noFill/>
+                    </a:lnL>
+                    <a:lnR>
+                      <a:noFill/>
+                    </a:lnR>
+                    <a:lnT>
+                      <a:noFill/>
+                    </a:lnT>
+                    <a:lnB>
+                      <a:noFill/>
+                    </a:lnB>
+                    <a:solidFill>
+                      <a:srgbClr val="171717"/>
+                    </a:solidFill>
+                  </a:tcPr>
+                </a:tc>
+                <a:extLst>
+                  <a:ext uri="{0D108BD9-81ED-4DB2-BD59-A6C34878D82A}">
+                    <a16:rowId xmlns:a16="http://schemas.microsoft.com/office/drawing/2014/main" val="3710573926"/>
+                  </a:ext>
+                </a:extLst>
+              </a:tr>
+              <a:tr h="1639924">
+                <a:tc>
+                  <a:txBody>
+                    <a:bodyPr/>
+                    <a:lstStyle/>
+                    <a:p>
+                      <a:pPr algn="l" fontAlgn="t">
+                        <a:spcBef>
+                          <a:spcPts val="0"/>
+                        </a:spcBef>
+                        <a:spcAft>
+                          <a:spcPts val="0"/>
+                        </a:spcAft>
+                      </a:pPr>
+                      <a:r>
+                        <a:rPr lang="de-DE" sz="1700" b="0" i="0" u="none" strike="noStrike">
+                          <a:solidFill>
+                            <a:srgbClr val="A4A4A4"/>
+                          </a:solidFill>
+                          <a:effectLst/>
+                          <a:highlight>
+                            <a:srgbClr val="171717"/>
+                          </a:highlight>
+                          <a:latin typeface="Arial" panose="020B0604020202020204" pitchFamily="34" charset="0"/>
+                          <a:hlinkClick r:id="rId2">
+                            <a:extLst>
+                              <a:ext uri="{A12FA001-AC4F-418D-AE19-62706E023703}">
+                                <ahyp:hlinkClr xmlns:ahyp="http://schemas.microsoft.com/office/drawing/2018/hyperlinkcolor" val="tx"/>
+                              </a:ext>
+                            </a:extLst>
+                          </a:hlinkClick>
+                        </a:rPr>
+                        <a:t>Erstellen einer skalierbaren Web-API</a:t>
+                      </a:r>
+                      <a:endParaRPr lang="de-DE" sz="1700" b="0" i="0" u="none" strike="noStrike">
+                        <a:solidFill>
+                          <a:srgbClr val="A4A4A4"/>
+                        </a:solidFill>
+                        <a:effectLst/>
+                        <a:highlight>
+                          <a:srgbClr val="171717"/>
+                        </a:highlight>
+                        <a:latin typeface="Arial" panose="020B0604020202020204" pitchFamily="34" charset="0"/>
+                      </a:endParaRPr>
+                    </a:p>
+                  </a:txBody>
+                  <a:tcPr marL="84532" marR="84532" marT="42266" marB="42266">
+                    <a:lnL>
+                      <a:noFill/>
+                    </a:lnL>
+                    <a:lnR>
+                      <a:noFill/>
+                    </a:lnR>
+                    <a:lnT>
+                      <a:noFill/>
+                    </a:lnT>
+                    <a:lnB>
+                      <a:noFill/>
+                    </a:lnB>
+                    <a:solidFill>
+                      <a:srgbClr val="171717"/>
+                    </a:solidFill>
+                  </a:tcPr>
+                </a:tc>
+                <a:tc>
+                  <a:txBody>
+                    <a:bodyPr/>
+                    <a:lstStyle/>
+                    <a:p>
+                      <a:pPr algn="l" fontAlgn="t">
+                        <a:spcBef>
+                          <a:spcPts val="0"/>
+                        </a:spcBef>
+                        <a:spcAft>
+                          <a:spcPts val="0"/>
+                        </a:spcAft>
+                      </a:pPr>
+                      <a:r>
+                        <a:rPr lang="de-DE" sz="1700" b="0" i="0" u="none" strike="noStrike">
+                          <a:effectLst/>
+                          <a:highlight>
+                            <a:srgbClr val="171717"/>
+                          </a:highlight>
+                          <a:latin typeface="Arial" panose="020B0604020202020204" pitchFamily="34" charset="0"/>
+                        </a:rPr>
+                        <a:t>Implementieren einer Sammlung von REST-Endpunkten für Ihre Webanwendungen mithilfe von HTTP-Triggern.</a:t>
+                      </a:r>
+                    </a:p>
+                  </a:txBody>
+                  <a:tcPr marL="84532" marR="84532" marT="42266" marB="42266">
+                    <a:lnL>
+                      <a:noFill/>
+                    </a:lnL>
+                    <a:lnR>
+                      <a:noFill/>
+                    </a:lnR>
+                    <a:lnT>
+                      <a:noFill/>
+                    </a:lnT>
+                    <a:lnB>
+                      <a:noFill/>
+                    </a:lnB>
+                    <a:solidFill>
+                      <a:srgbClr val="171717"/>
+                    </a:solidFill>
+                  </a:tcPr>
+                </a:tc>
+                <a:extLst>
+                  <a:ext uri="{0D108BD9-81ED-4DB2-BD59-A6C34878D82A}">
+                    <a16:rowId xmlns:a16="http://schemas.microsoft.com/office/drawing/2014/main" val="306612418"/>
+                  </a:ext>
+                </a:extLst>
+              </a:tr>
+              <a:tr h="1386328">
+                <a:tc>
+                  <a:txBody>
+                    <a:bodyPr/>
+                    <a:lstStyle/>
+                    <a:p>
+                      <a:pPr algn="l" fontAlgn="t">
+                        <a:spcBef>
+                          <a:spcPts val="0"/>
+                        </a:spcBef>
+                        <a:spcAft>
+                          <a:spcPts val="0"/>
+                        </a:spcAft>
+                      </a:pPr>
+                      <a:r>
+                        <a:rPr lang="de-DE" sz="1700" b="0" i="0" u="none" strike="noStrike">
+                          <a:solidFill>
+                            <a:srgbClr val="A4A4A4"/>
+                          </a:solidFill>
+                          <a:effectLst/>
+                          <a:highlight>
+                            <a:srgbClr val="171717"/>
+                          </a:highlight>
+                          <a:latin typeface="Arial" panose="020B0604020202020204" pitchFamily="34" charset="0"/>
+                          <a:hlinkClick r:id="rId2">
+                            <a:extLst>
+                              <a:ext uri="{A12FA001-AC4F-418D-AE19-62706E023703}">
+                                <ahyp:hlinkClr xmlns:ahyp="http://schemas.microsoft.com/office/drawing/2018/hyperlinkcolor" val="tx"/>
+                              </a:ext>
+                            </a:extLst>
+                          </a:hlinkClick>
+                        </a:rPr>
+                        <a:t>Entwickeln eines serverlosen Workflows</a:t>
+                      </a:r>
+                      <a:endParaRPr lang="de-DE" sz="1700" b="0" i="0" u="none" strike="noStrike">
+                        <a:solidFill>
+                          <a:srgbClr val="A4A4A4"/>
+                        </a:solidFill>
+                        <a:effectLst/>
+                        <a:highlight>
+                          <a:srgbClr val="171717"/>
+                        </a:highlight>
+                        <a:latin typeface="Arial" panose="020B0604020202020204" pitchFamily="34" charset="0"/>
+                      </a:endParaRPr>
+                    </a:p>
+                  </a:txBody>
+                  <a:tcPr marL="84532" marR="84532" marT="42266" marB="42266">
+                    <a:lnL>
+                      <a:noFill/>
+                    </a:lnL>
+                    <a:lnR>
+                      <a:noFill/>
+                    </a:lnR>
+                    <a:lnT>
+                      <a:noFill/>
+                    </a:lnT>
+                    <a:lnB>
+                      <a:noFill/>
+                    </a:lnB>
+                    <a:solidFill>
+                      <a:srgbClr val="171717"/>
+                    </a:solidFill>
+                  </a:tcPr>
+                </a:tc>
+                <a:tc>
+                  <a:txBody>
+                    <a:bodyPr/>
+                    <a:lstStyle/>
+                    <a:p>
+                      <a:pPr algn="l" fontAlgn="t">
+                        <a:spcBef>
+                          <a:spcPts val="0"/>
+                        </a:spcBef>
+                        <a:spcAft>
+                          <a:spcPts val="0"/>
+                        </a:spcAft>
+                      </a:pPr>
+                      <a:r>
+                        <a:rPr lang="de-DE" sz="1700" b="0" i="0" u="none" strike="noStrike" dirty="0">
+                          <a:effectLst/>
+                          <a:highlight>
+                            <a:srgbClr val="171717"/>
+                          </a:highlight>
+                          <a:latin typeface="Arial" panose="020B0604020202020204" pitchFamily="34" charset="0"/>
+                        </a:rPr>
+                        <a:t>Erstellen eines ereignisgesteuerten Workflows aus einer Reihe von Funktionen mit Durable </a:t>
+                      </a:r>
+                      <a:r>
+                        <a:rPr lang="de-DE" sz="1700" b="0" i="0" u="none" strike="noStrike" dirty="0" err="1">
+                          <a:effectLst/>
+                          <a:highlight>
+                            <a:srgbClr val="171717"/>
+                          </a:highlight>
+                          <a:latin typeface="Arial" panose="020B0604020202020204" pitchFamily="34" charset="0"/>
+                        </a:rPr>
+                        <a:t>Functions</a:t>
+                      </a:r>
+                      <a:r>
+                        <a:rPr lang="de-DE" sz="1700" b="0" i="0" u="none" strike="noStrike" dirty="0">
+                          <a:effectLst/>
+                          <a:highlight>
+                            <a:srgbClr val="171717"/>
+                          </a:highlight>
+                          <a:latin typeface="Arial" panose="020B0604020202020204" pitchFamily="34" charset="0"/>
+                        </a:rPr>
+                        <a:t>.</a:t>
+                      </a:r>
+                    </a:p>
+                  </a:txBody>
+                  <a:tcPr marL="84532" marR="84532" marT="42266" marB="42266">
+                    <a:lnL>
+                      <a:noFill/>
+                    </a:lnL>
+                    <a:lnR>
+                      <a:noFill/>
+                    </a:lnR>
+                    <a:lnT>
+                      <a:noFill/>
+                    </a:lnT>
+                    <a:lnB>
+                      <a:noFill/>
+                    </a:lnB>
+                    <a:solidFill>
+                      <a:srgbClr val="171717"/>
+                    </a:solidFill>
+                  </a:tcPr>
+                </a:tc>
+                <a:extLst>
+                  <a:ext uri="{0D108BD9-81ED-4DB2-BD59-A6C34878D82A}">
+                    <a16:rowId xmlns:a16="http://schemas.microsoft.com/office/drawing/2014/main" val="567850873"/>
+                  </a:ext>
+                </a:extLst>
+              </a:tr>
+            </a:tbl>
+          </a:graphicData>
+        </a:graphic>
+      </p:graphicFrame>
+    </p:spTree>
+    <p:extLst>
+      <p:ext uri="{BB962C8B-B14F-4D97-AF65-F5344CB8AC3E}">
+        <p14:creationId xmlns:p14="http://schemas.microsoft.com/office/powerpoint/2010/main" val="2253926519"/>
+      </p:ext>
+    </p:extLst>
+  </p:cSld>
+  <p:clrMapOvr>
+    <a:masterClrMapping/>
+  </p:clrMapOvr>
+</p:sld>
+</file>
+
+<file path=ppt/slides/slide24.xml><?xml version="1.0" encoding="utf-8"?>
+<p:sld xmlns:a="http://schemas.openxmlformats.org/drawingml/2006/main" xmlns:r="http://schemas.openxmlformats.org/officeDocument/2006/relationships" xmlns:p="http://schemas.openxmlformats.org/presentationml/2006/main">
+  <p:cSld>
+    <p:bg>
+      <p:bgPr>
+        <a:solidFill>
+          <a:schemeClr val="bg1"/>
+        </a:solidFill>
+        <a:effectLst/>
+      </p:bgPr>
+    </p:bg>
+    <p:spTree>
+      <p:nvGrpSpPr>
+        <p:cNvPr id="1" name=""/>
+        <p:cNvGrpSpPr/>
+        <p:nvPr/>
+      </p:nvGrpSpPr>
+      <p:grpSpPr>
+        <a:xfrm>
+          <a:off x="0" y="0"/>
+          <a:ext cx="0" cy="0"/>
+          <a:chOff x="0" y="0"/>
+          <a:chExt cx="0" cy="0"/>
+        </a:xfrm>
+      </p:grpSpPr>
+      <p:sp>
+        <p:nvSpPr>
+          <p:cNvPr id="2" name="Titel 1">
+            <a:extLst>
+              <a:ext uri="{FF2B5EF4-FFF2-40B4-BE49-F238E27FC236}">
+                <a16:creationId xmlns:a16="http://schemas.microsoft.com/office/drawing/2014/main" id="{D24ACC5B-16EC-1D73-B160-7B8086D2A7FB}"/>
+              </a:ext>
+            </a:extLst>
+          </p:cNvPr>
+          <p:cNvSpPr>
+            <a:spLocks noGrp="1"/>
+          </p:cNvSpPr>
+          <p:nvPr>
+            <p:ph type="title"/>
+          </p:nvPr>
+        </p:nvSpPr>
+        <p:spPr>
+          <a:xfrm>
+            <a:off x="628649" y="1320126"/>
+            <a:ext cx="2855047" cy="3072359"/>
+          </a:xfrm>
+        </p:spPr>
+        <p:txBody>
+          <a:bodyPr vert="horz" lIns="91440" tIns="45720" rIns="91440" bIns="45720" rtlCol="0" anchor="t">
+            <a:normAutofit/>
+          </a:bodyPr>
+          <a:lstStyle/>
+          <a:p>
+            <a:r>
+              <a:rPr lang="en-US" sz="3500" kern="1200" dirty="0" err="1">
+                <a:solidFill>
+                  <a:schemeClr val="tx1"/>
+                </a:solidFill>
+                <a:latin typeface="+mj-lt"/>
+                <a:ea typeface="+mj-ea"/>
+                <a:cs typeface="+mj-cs"/>
+              </a:rPr>
+              <a:t>Szenarien</a:t>
+            </a:r>
+            <a:r>
+              <a:rPr lang="en-US" sz="3500" kern="1200" dirty="0">
+                <a:solidFill>
+                  <a:schemeClr val="tx1"/>
+                </a:solidFill>
+                <a:latin typeface="+mj-lt"/>
+                <a:ea typeface="+mj-ea"/>
+                <a:cs typeface="+mj-cs"/>
+              </a:rPr>
+              <a:t> ff.</a:t>
+            </a:r>
+          </a:p>
+        </p:txBody>
+      </p:sp>
+      <p:grpSp>
+        <p:nvGrpSpPr>
+          <p:cNvPr id="9" name="Group 8">
+            <a:extLst>
+              <a:ext uri="{FF2B5EF4-FFF2-40B4-BE49-F238E27FC236}">
+                <a16:creationId xmlns:a16="http://schemas.microsoft.com/office/drawing/2014/main" id="{71E4E172-1EA7-E251-8265-AD4D67315470}"/>
+              </a:ext>
+              <a:ext uri="{C183D7F6-B498-43B3-948B-1728B52AA6E4}">
+                <adec:decorative xmlns:adec="http://schemas.microsoft.com/office/drawing/2017/decorative" val="1"/>
+              </a:ext>
+            </a:extLst>
+          </p:cNvPr>
+          <p:cNvGrpSpPr>
+            <a:grpSpLocks noGrp="1" noUngrp="1" noRot="1" noChangeAspect="1" noMove="1" noResize="1"/>
+          </p:cNvGrpSpPr>
+          <p:nvPr>
+            <p:extLst>
+              <p:ext uri="{386F3935-93C4-4BCD-93E2-E3B085C9AB24}">
+                <p16:designElem xmlns:p16="http://schemas.microsoft.com/office/powerpoint/2015/main" val="1"/>
+              </p:ext>
+            </p:extLst>
+          </p:nvPr>
+        </p:nvGrpSpPr>
+        <p:grpSpPr>
+          <a:xfrm>
+            <a:off x="-3768" y="6737718"/>
+            <a:ext cx="9155399" cy="123363"/>
+            <a:chOff x="-5025" y="6737718"/>
+            <a:chExt cx="12207200" cy="123363"/>
+          </a:xfrm>
+        </p:grpSpPr>
+        <p:sp>
+          <p:nvSpPr>
+            <p:cNvPr id="10" name="Rectangle 9">
+              <a:extLst>
+                <a:ext uri="{FF2B5EF4-FFF2-40B4-BE49-F238E27FC236}">
+                  <a16:creationId xmlns:a16="http://schemas.microsoft.com/office/drawing/2014/main" id="{B36EE4C1-7905-4652-A645-D2C3112E2F79}"/>
+                </a:ext>
+                <a:ext uri="{C183D7F6-B498-43B3-948B-1728B52AA6E4}">
+                  <adec:decorative xmlns:adec="http://schemas.microsoft.com/office/drawing/2017/decorative" val="1"/>
+                </a:ext>
+              </a:extLst>
+            </p:cNvPr>
+            <p:cNvSpPr/>
+            <p:nvPr>
+              <p:extLst>
+                <p:ext uri="{386F3935-93C4-4BCD-93E2-E3B085C9AB24}">
+                  <p16:designElem xmlns:p16="http://schemas.microsoft.com/office/powerpoint/2015/main" val="1"/>
+                </p:ext>
+              </p:extLst>
+            </p:nvPr>
+          </p:nvSpPr>
+          <p:spPr>
+            <a:xfrm rot="5400000" flipH="1">
+              <a:off x="6036894" y="695800"/>
+              <a:ext cx="123362" cy="12207199"/>
+            </a:xfrm>
+            <a:prstGeom prst="rect">
+              <a:avLst/>
+            </a:prstGeom>
+            <a:gradFill>
+              <a:gsLst>
+                <a:gs pos="0">
+                  <a:schemeClr val="accent5"/>
+                </a:gs>
+                <a:gs pos="100000">
+                  <a:schemeClr val="accent2"/>
+                </a:gs>
+              </a:gsLst>
+              <a:lin ang="1800000" scaled="0"/>
+            </a:gradFill>
+            <a:ln>
+              <a:noFill/>
+            </a:ln>
+          </p:spPr>
+          <p:style>
+            <a:lnRef idx="2">
+              <a:schemeClr val="accent1">
+                <a:shade val="50000"/>
+              </a:schemeClr>
+            </a:lnRef>
+            <a:fillRef idx="1">
+              <a:schemeClr val="accent1"/>
+            </a:fillRef>
+            <a:effectRef idx="0">
+              <a:schemeClr val="accent1"/>
+            </a:effectRef>
+            <a:fontRef idx="minor">
+              <a:schemeClr val="lt1"/>
+            </a:fontRef>
+          </p:style>
+          <p:txBody>
+            <a:bodyPr rtlCol="0" anchor="ctr"/>
+            <a:lstStyle/>
+            <a:p>
+              <a:pPr algn="ctr"/>
+              <a:endParaRPr lang="en-US"/>
+            </a:p>
+          </p:txBody>
+        </p:sp>
+        <p:sp>
+          <p:nvSpPr>
+            <p:cNvPr id="11" name="Rectangle 10">
+              <a:extLst>
+                <a:ext uri="{FF2B5EF4-FFF2-40B4-BE49-F238E27FC236}">
+                  <a16:creationId xmlns:a16="http://schemas.microsoft.com/office/drawing/2014/main" id="{5B2D6870-BDC0-AE8B-A7F5-D570327D12E0}"/>
+                </a:ext>
+                <a:ext uri="{C183D7F6-B498-43B3-948B-1728B52AA6E4}">
+                  <adec:decorative xmlns:adec="http://schemas.microsoft.com/office/drawing/2017/decorative" val="1"/>
+                </a:ext>
+              </a:extLst>
+            </p:cNvPr>
+            <p:cNvSpPr/>
+            <p:nvPr>
+              <p:extLst>
+                <p:ext uri="{386F3935-93C4-4BCD-93E2-E3B085C9AB24}">
+                  <p16:designElem xmlns:p16="http://schemas.microsoft.com/office/powerpoint/2015/main" val="1"/>
+                </p:ext>
+              </p:extLst>
+            </p:nvPr>
+          </p:nvSpPr>
+          <p:spPr>
+            <a:xfrm rot="16200000">
+              <a:off x="9176406" y="3835311"/>
+              <a:ext cx="123362" cy="5928176"/>
+            </a:xfrm>
+            <a:prstGeom prst="rect">
+              <a:avLst/>
+            </a:prstGeom>
+            <a:gradFill>
+              <a:gsLst>
+                <a:gs pos="19000">
+                  <a:schemeClr val="accent5">
+                    <a:alpha val="0"/>
+                  </a:schemeClr>
+                </a:gs>
+                <a:gs pos="100000">
+                  <a:schemeClr val="accent5">
+                    <a:lumMod val="60000"/>
+                    <a:lumOff val="40000"/>
+                  </a:schemeClr>
+                </a:gs>
+              </a:gsLst>
+              <a:lin ang="600000" scaled="0"/>
+            </a:gradFill>
+            <a:ln>
+              <a:noFill/>
+            </a:ln>
+          </p:spPr>
+          <p:style>
+            <a:lnRef idx="2">
+              <a:schemeClr val="accent1">
+                <a:shade val="50000"/>
+              </a:schemeClr>
+            </a:lnRef>
+            <a:fillRef idx="1">
+              <a:schemeClr val="accent1"/>
+            </a:fillRef>
+            <a:effectRef idx="0">
+              <a:schemeClr val="accent1"/>
+            </a:effectRef>
+            <a:fontRef idx="minor">
+              <a:schemeClr val="lt1"/>
+            </a:fontRef>
+          </p:style>
+          <p:txBody>
+            <a:bodyPr rtlCol="0" anchor="ctr"/>
+            <a:lstStyle/>
+            <a:p>
+              <a:pPr algn="ctr"/>
+              <a:endParaRPr lang="en-US"/>
+            </a:p>
+          </p:txBody>
+        </p:sp>
+      </p:grpSp>
+      <p:graphicFrame>
+        <p:nvGraphicFramePr>
+          <p:cNvPr id="4" name="Inhaltsplatzhalter 3">
+            <a:extLst>
+              <a:ext uri="{FF2B5EF4-FFF2-40B4-BE49-F238E27FC236}">
+                <a16:creationId xmlns:a16="http://schemas.microsoft.com/office/drawing/2014/main" id="{757200BC-F8D6-E3CE-01DE-D55EA22D971B}"/>
+              </a:ext>
+            </a:extLst>
+          </p:cNvPr>
+          <p:cNvGraphicFramePr>
+            <a:graphicFrameLocks noGrp="1"/>
+          </p:cNvGraphicFramePr>
+          <p:nvPr>
+            <p:ph idx="1"/>
+            <p:extLst>
+              <p:ext uri="{D42A27DB-BD31-4B8C-83A1-F6EECF244321}">
+                <p14:modId xmlns:p14="http://schemas.microsoft.com/office/powerpoint/2010/main" val="766104507"/>
+              </p:ext>
+            </p:extLst>
+          </p:nvPr>
+        </p:nvGraphicFramePr>
+        <p:xfrm>
+          <a:off x="4097541" y="2421590"/>
+          <a:ext cx="4456124" cy="1872960"/>
+        </p:xfrm>
+        <a:graphic>
+          <a:graphicData uri="http://schemas.openxmlformats.org/drawingml/2006/table">
+            <a:tbl>
+              <a:tblPr>
+                <a:noFill/>
+              </a:tblPr>
+              <a:tblGrid>
+                <a:gridCol w="1841717">
+                  <a:extLst>
+                    <a:ext uri="{9D8B030D-6E8A-4147-A177-3AD203B41FA5}">
+                      <a16:colId xmlns:a16="http://schemas.microsoft.com/office/drawing/2014/main" val="3920717515"/>
+                    </a:ext>
+                  </a:extLst>
+                </a:gridCol>
+                <a:gridCol w="2614407">
+                  <a:extLst>
+                    <a:ext uri="{9D8B030D-6E8A-4147-A177-3AD203B41FA5}">
+                      <a16:colId xmlns:a16="http://schemas.microsoft.com/office/drawing/2014/main" val="3827900743"/>
+                    </a:ext>
+                  </a:extLst>
+                </a:gridCol>
+              </a:tblGrid>
+              <a:tr h="936480">
+                <a:tc>
+                  <a:txBody>
+                    <a:bodyPr/>
+                    <a:lstStyle/>
+                    <a:p>
+                      <a:pPr algn="l" fontAlgn="t"/>
+                      <a:r>
+                        <a:rPr lang="de-DE" sz="1300" u="none" strike="noStrike" cap="none" spc="0">
+                          <a:solidFill>
+                            <a:schemeClr val="tx1"/>
+                          </a:solidFill>
+                          <a:effectLst/>
+                          <a:hlinkClick r:id="rId2">
+                            <a:extLst>
+                              <a:ext uri="{A12FA001-AC4F-418D-AE19-62706E023703}">
+                                <ahyp:hlinkClr xmlns:ahyp="http://schemas.microsoft.com/office/drawing/2018/hyperlinkcolor" val="tx"/>
+                              </a:ext>
+                            </a:extLst>
+                          </a:hlinkClick>
+                        </a:rPr>
+                        <a:t>Reagieren auf Datenbankänderungen</a:t>
+                      </a:r>
+                      <a:endParaRPr lang="de-DE" sz="1300" cap="none" spc="0">
+                        <a:solidFill>
+                          <a:schemeClr val="tx1"/>
+                        </a:solidFill>
+                        <a:effectLst/>
+                      </a:endParaRPr>
+                    </a:p>
+                  </a:txBody>
+                  <a:tcPr marL="0" marR="96544" marT="28963" marB="96544">
+                    <a:lnL w="12700" cmpd="sng">
+                      <a:noFill/>
+                      <a:prstDash val="solid"/>
+                    </a:lnL>
+                    <a:lnR w="12700" cmpd="sng">
+                      <a:noFill/>
+                      <a:prstDash val="solid"/>
+                    </a:lnR>
+                    <a:lnT w="9525" cap="flat" cmpd="sng" algn="ctr">
+                      <a:solidFill>
+                        <a:schemeClr val="tx1"/>
+                      </a:solidFill>
+                      <a:prstDash val="solid"/>
+                    </a:lnT>
+                    <a:lnB w="12700" cmpd="sng">
+                      <a:noFill/>
+                      <a:prstDash val="solid"/>
+                    </a:lnB>
+                    <a:noFill/>
+                  </a:tcPr>
+                </a:tc>
+                <a:tc>
+                  <a:txBody>
+                    <a:bodyPr/>
+                    <a:lstStyle/>
+                    <a:p>
+                      <a:pPr algn="l" fontAlgn="t"/>
+                      <a:r>
+                        <a:rPr lang="de-DE" sz="1300" cap="none" spc="0">
+                          <a:solidFill>
+                            <a:schemeClr val="tx1"/>
+                          </a:solidFill>
+                          <a:effectLst/>
+                        </a:rPr>
+                        <a:t>Ausführen von benutzerdefinierter Logik beim Erstellen oder Aktualisieren eines Dokuments in </a:t>
+                      </a:r>
+                      <a:r>
+                        <a:rPr lang="de-DE" sz="1300" u="none" strike="noStrike" cap="none" spc="0">
+                          <a:solidFill>
+                            <a:schemeClr val="tx1"/>
+                          </a:solidFill>
+                          <a:effectLst/>
+                          <a:hlinkClick r:id="rId3">
+                            <a:extLst>
+                              <a:ext uri="{A12FA001-AC4F-418D-AE19-62706E023703}">
+                                <ahyp:hlinkClr xmlns:ahyp="http://schemas.microsoft.com/office/drawing/2018/hyperlinkcolor" val="tx"/>
+                              </a:ext>
+                            </a:extLst>
+                          </a:hlinkClick>
+                        </a:rPr>
+                        <a:t>Azure Cosmos DB</a:t>
+                      </a:r>
+                      <a:r>
+                        <a:rPr lang="de-DE" sz="1300" cap="none" spc="0">
+                          <a:solidFill>
+                            <a:schemeClr val="tx1"/>
+                          </a:solidFill>
+                          <a:effectLst/>
+                        </a:rPr>
+                        <a:t>.</a:t>
+                      </a:r>
+                    </a:p>
+                  </a:txBody>
+                  <a:tcPr marL="0" marR="96544" marT="28963" marB="96544">
+                    <a:lnL w="12700" cmpd="sng">
+                      <a:noFill/>
+                      <a:prstDash val="solid"/>
+                    </a:lnL>
+                    <a:lnR w="12700" cmpd="sng">
+                      <a:noFill/>
+                      <a:prstDash val="solid"/>
+                    </a:lnR>
+                    <a:lnT w="9525" cap="flat" cmpd="sng" algn="ctr">
+                      <a:solidFill>
+                        <a:schemeClr val="tx1"/>
+                      </a:solidFill>
+                      <a:prstDash val="solid"/>
+                    </a:lnT>
+                    <a:lnB w="12700" cmpd="sng">
+                      <a:noFill/>
+                      <a:prstDash val="solid"/>
+                    </a:lnB>
+                    <a:noFill/>
+                  </a:tcPr>
+                </a:tc>
+                <a:extLst>
+                  <a:ext uri="{0D108BD9-81ED-4DB2-BD59-A6C34878D82A}">
+                    <a16:rowId xmlns:a16="http://schemas.microsoft.com/office/drawing/2014/main" val="3475057581"/>
+                  </a:ext>
+                </a:extLst>
+              </a:tr>
+              <a:tr h="936480">
+                <a:tc>
+                  <a:txBody>
+                    <a:bodyPr/>
+                    <a:lstStyle/>
+                    <a:p>
+                      <a:pPr algn="l" fontAlgn="t"/>
+                      <a:r>
+                        <a:rPr lang="de-DE" sz="1300" u="none" strike="noStrike" cap="none" spc="0">
+                          <a:solidFill>
+                            <a:schemeClr val="tx1"/>
+                          </a:solidFill>
+                          <a:effectLst/>
+                          <a:hlinkClick r:id="rId4">
+                            <a:extLst>
+                              <a:ext uri="{A12FA001-AC4F-418D-AE19-62706E023703}">
+                                <ahyp:hlinkClr xmlns:ahyp="http://schemas.microsoft.com/office/drawing/2018/hyperlinkcolor" val="tx"/>
+                              </a:ext>
+                            </a:extLst>
+                          </a:hlinkClick>
+                        </a:rPr>
+                        <a:t>Erstellen zuverlässiger Messagingsysteme</a:t>
+                      </a:r>
+                      <a:endParaRPr lang="de-DE" sz="1300" cap="none" spc="0">
+                        <a:solidFill>
+                          <a:schemeClr val="tx1"/>
+                        </a:solidFill>
+                        <a:effectLst/>
+                      </a:endParaRPr>
+                    </a:p>
+                  </a:txBody>
+                  <a:tcPr marL="0" marR="96544" marT="28963" marB="96544">
+                    <a:lnL w="12700" cmpd="sng">
+                      <a:noFill/>
+                      <a:prstDash val="solid"/>
+                    </a:lnL>
+                    <a:lnR w="12700" cmpd="sng">
+                      <a:noFill/>
+                      <a:prstDash val="solid"/>
+                    </a:lnR>
+                    <a:lnT w="12700" cmpd="sng">
+                      <a:noFill/>
+                      <a:prstDash val="solid"/>
+                    </a:lnT>
+                    <a:lnB w="12700" cmpd="sng">
+                      <a:noFill/>
+                      <a:prstDash val="solid"/>
+                    </a:lnB>
+                    <a:noFill/>
+                  </a:tcPr>
+                </a:tc>
+                <a:tc>
+                  <a:txBody>
+                    <a:bodyPr/>
+                    <a:lstStyle/>
+                    <a:p>
+                      <a:pPr algn="l" fontAlgn="t"/>
+                      <a:r>
+                        <a:rPr lang="de-DE" sz="1300" cap="none" spc="0">
+                          <a:solidFill>
+                            <a:schemeClr val="tx1"/>
+                          </a:solidFill>
+                          <a:effectLst/>
+                        </a:rPr>
+                        <a:t>Verarbeiten von Nachrichtenwarteschlangen mit Queue Storage, Service Bus oder Event Hubs.</a:t>
+                      </a:r>
+                    </a:p>
+                  </a:txBody>
+                  <a:tcPr marL="0" marR="96544" marT="28963" marB="96544">
+                    <a:lnL w="12700" cmpd="sng">
+                      <a:noFill/>
+                      <a:prstDash val="solid"/>
+                    </a:lnL>
+                    <a:lnR w="12700" cmpd="sng">
+                      <a:noFill/>
+                      <a:prstDash val="solid"/>
+                    </a:lnR>
+                    <a:lnT w="12700" cmpd="sng">
+                      <a:noFill/>
+                      <a:prstDash val="solid"/>
+                    </a:lnT>
+                    <a:lnB w="12700" cmpd="sng">
+                      <a:noFill/>
+                      <a:prstDash val="solid"/>
+                    </a:lnB>
+                    <a:noFill/>
+                  </a:tcPr>
+                </a:tc>
+                <a:extLst>
+                  <a:ext uri="{0D108BD9-81ED-4DB2-BD59-A6C34878D82A}">
+                    <a16:rowId xmlns:a16="http://schemas.microsoft.com/office/drawing/2014/main" val="4180187856"/>
+                  </a:ext>
+                </a:extLst>
+              </a:tr>
+            </a:tbl>
+          </a:graphicData>
+        </a:graphic>
+      </p:graphicFrame>
+    </p:spTree>
+    <p:extLst>
+      <p:ext uri="{BB962C8B-B14F-4D97-AF65-F5344CB8AC3E}">
+        <p14:creationId xmlns:p14="http://schemas.microsoft.com/office/powerpoint/2010/main" val="2574526498"/>
+      </p:ext>
+    </p:extLst>
+  </p:cSld>
+  <p:clrMapOvr>
+    <a:masterClrMapping/>
+  </p:clrMapOvr>
+</p:sld>
+</file>
+
+<file path=ppt/slides/slide25.xml><?xml version="1.0" encoding="utf-8"?>
+<p:sld xmlns:a="http://schemas.openxmlformats.org/drawingml/2006/main" xmlns:r="http://schemas.openxmlformats.org/officeDocument/2006/relationships" xmlns:p="http://schemas.openxmlformats.org/presentationml/2006/main">
+  <p:cSld>
+    <p:spTree>
+      <p:nvGrpSpPr>
+        <p:cNvPr id="1" name=""/>
+        <p:cNvGrpSpPr/>
+        <p:nvPr/>
+      </p:nvGrpSpPr>
+      <p:grpSpPr>
+        <a:xfrm>
+          <a:off x="0" y="0"/>
+          <a:ext cx="0" cy="0"/>
+          <a:chOff x="0" y="0"/>
+          <a:chExt cx="0" cy="0"/>
+        </a:xfrm>
+      </p:grpSpPr>
+      <p:pic>
+        <p:nvPicPr>
+          <p:cNvPr id="6" name="Picture 5" descr="Camera lens close up">
+            <a:extLst>
+              <a:ext uri="{FF2B5EF4-FFF2-40B4-BE49-F238E27FC236}">
+                <a16:creationId xmlns:a16="http://schemas.microsoft.com/office/drawing/2014/main" id="{5BC09790-4E01-E3DD-C3D8-62ED188F1F10}"/>
+              </a:ext>
+            </a:extLst>
+          </p:cNvPr>
+          <p:cNvPicPr>
+            <a:picLocks noChangeAspect="1"/>
+          </p:cNvPicPr>
+          <p:nvPr/>
+        </p:nvPicPr>
+        <p:blipFill rotWithShape="1">
+          <a:blip r:embed="rId3"/>
+          <a:srcRect l="1622" r="35098" b="-1"/>
+          <a:stretch/>
+        </p:blipFill>
+        <p:spPr>
+          <a:xfrm>
+            <a:off x="2642616" y="10"/>
+            <a:ext cx="6501384" cy="6857990"/>
+          </a:xfrm>
+          <a:prstGeom prst="rect">
+            <a:avLst/>
+          </a:prstGeom>
+        </p:spPr>
+      </p:pic>
+      <p:sp>
+        <p:nvSpPr>
+          <p:cNvPr id="2" name="Titel 1"/>
+          <p:cNvSpPr>
+            <a:spLocks noGrp="1"/>
+          </p:cNvSpPr>
+          <p:nvPr>
+            <p:ph type="title"/>
+          </p:nvPr>
+        </p:nvSpPr>
+        <p:spPr>
+          <a:xfrm>
+            <a:off x="358485" y="1122363"/>
+            <a:ext cx="3017520" cy="3204134"/>
+          </a:xfrm>
+        </p:spPr>
+        <p:txBody>
+          <a:bodyPr vert="horz" lIns="91440" tIns="45720" rIns="91440" bIns="45720" rtlCol="0" anchor="b">
+            <a:normAutofit/>
+          </a:bodyPr>
+          <a:lstStyle/>
+          <a:p>
+            <a:r>
+              <a:rPr lang="en-US" sz="4200"/>
+              <a:t>Demo</a:t>
+            </a:r>
+          </a:p>
+        </p:txBody>
+      </p:sp>
+    </p:spTree>
+    <p:extLst>
+      <p:ext uri="{BB962C8B-B14F-4D97-AF65-F5344CB8AC3E}">
+        <p14:creationId xmlns:p14="http://schemas.microsoft.com/office/powerpoint/2010/main" val="2131546374"/>
+      </p:ext>
+    </p:extLst>
+  </p:cSld>
+  <p:clrMapOvr>
+    <a:masterClrMapping/>
+  </p:clrMapOvr>
+</p:sld>
+</file>
+
+<file path=ppt/slides/slide26.xml><?xml version="1.0" encoding="utf-8"?>
+<p:sld xmlns:a="http://schemas.openxmlformats.org/drawingml/2006/main" xmlns:r="http://schemas.openxmlformats.org/officeDocument/2006/relationships" xmlns:p="http://schemas.openxmlformats.org/presentationml/2006/main">
+  <p:cSld>
+    <p:spTree>
+      <p:nvGrpSpPr>
+        <p:cNvPr id="1" name=""/>
+        <p:cNvGrpSpPr/>
+        <p:nvPr/>
+      </p:nvGrpSpPr>
+      <p:grpSpPr>
+        <a:xfrm>
+          <a:off x="0" y="0"/>
+          <a:ext cx="0" cy="0"/>
+          <a:chOff x="0" y="0"/>
+          <a:chExt cx="0" cy="0"/>
+        </a:xfrm>
+      </p:grpSpPr>
+      <p:sp>
+        <p:nvSpPr>
+          <p:cNvPr id="2" name="Titel 1">
+            <a:extLst>
+              <a:ext uri="{FF2B5EF4-FFF2-40B4-BE49-F238E27FC236}">
+                <a16:creationId xmlns:a16="http://schemas.microsoft.com/office/drawing/2014/main" id="{CCF1D35D-CAA5-9FB6-60BA-5FDBDCD3425F}"/>
+              </a:ext>
+            </a:extLst>
+          </p:cNvPr>
+          <p:cNvSpPr>
+            <a:spLocks noGrp="1"/>
+          </p:cNvSpPr>
+          <p:nvPr>
+            <p:ph type="title"/>
+          </p:nvPr>
+        </p:nvSpPr>
+        <p:spPr/>
+        <p:txBody>
+          <a:bodyPr/>
+          <a:lstStyle/>
+          <a:p>
+            <a:endParaRPr lang="de-DE"/>
+          </a:p>
+        </p:txBody>
+      </p:sp>
+      <p:sp>
+        <p:nvSpPr>
+          <p:cNvPr id="3" name="Inhaltsplatzhalter 2">
+            <a:extLst>
+              <a:ext uri="{FF2B5EF4-FFF2-40B4-BE49-F238E27FC236}">
+                <a16:creationId xmlns:a16="http://schemas.microsoft.com/office/drawing/2014/main" id="{719476EF-45A4-158C-0B7C-B7BB1FC25F75}"/>
+              </a:ext>
+            </a:extLst>
+          </p:cNvPr>
+          <p:cNvSpPr>
+            <a:spLocks noGrp="1"/>
+          </p:cNvSpPr>
+          <p:nvPr>
+            <p:ph idx="1"/>
+          </p:nvPr>
+        </p:nvSpPr>
+        <p:spPr/>
+        <p:txBody>
+          <a:bodyPr/>
+          <a:lstStyle/>
+          <a:p>
+            <a:endParaRPr lang="de-DE"/>
+          </a:p>
+        </p:txBody>
+      </p:sp>
+    </p:spTree>
+    <p:extLst>
+      <p:ext uri="{BB962C8B-B14F-4D97-AF65-F5344CB8AC3E}">
+        <p14:creationId xmlns:p14="http://schemas.microsoft.com/office/powerpoint/2010/main" val="830648877"/>
+      </p:ext>
+    </p:extLst>
+  </p:cSld>
+  <p:clrMapOvr>
+    <a:masterClrMapping/>
+  </p:clrMapOvr>
+</p:sld>
+</file>
+
+<file path=ppt/slides/slide27.xml><?xml version="1.0" encoding="utf-8"?>
 <p:sld xmlns:a="http://schemas.openxmlformats.org/drawingml/2006/main" xmlns:r="http://schemas.openxmlformats.org/officeDocument/2006/relationships" xmlns:p="http://schemas.openxmlformats.org/presentationml/2006/main">
   <p:cSld>
     <p:spTree>
@@ -27724,6 +30401,15 @@
 </file>
 
 <file path=customXml/item1.xml><?xml version="1.0" encoding="utf-8"?>
+<?mso-contentType ?>
+<FormTemplates xmlns="http://schemas.microsoft.com/sharepoint/v3/contenttype/forms">
+  <Display>DocumentLibraryForm</Display>
+  <Edit>DocumentLibraryForm</Edit>
+  <New>DocumentLibraryForm</New>
+</FormTemplates>
+</file>
+
+<file path=customXml/item2.xml><?xml version="1.0" encoding="utf-8"?>
 <ct:contentTypeSchema xmlns:ct="http://schemas.microsoft.com/office/2006/metadata/contentType" xmlns:ma="http://schemas.microsoft.com/office/2006/metadata/properties/metaAttributes" ct:_="" ma:_="" ma:contentTypeName="Dokument" ma:contentTypeID="0x010100971DE681CD9386488F3B73B952864319" ma:contentTypeVersion="2" ma:contentTypeDescription="Ein neues Dokument erstellen." ma:contentTypeScope="" ma:versionID="550c675347f51bd06a426c3cd402bd83">
   <xsd:schema xmlns:xsd="http://www.w3.org/2001/XMLSchema" xmlns:xs="http://www.w3.org/2001/XMLSchema" xmlns:p="http://schemas.microsoft.com/office/2006/metadata/properties" xmlns:ns2="cffbfc3b-6b69-42ac-8a83-31a62ae0d5a8" targetNamespace="http://schemas.microsoft.com/office/2006/metadata/properties" ma:root="true" ma:fieldsID="d065a53709def6fd0aecca9d51d5499b" ns2:_="">
     <xsd:import namespace="cffbfc3b-6b69-42ac-8a83-31a62ae0d5a8"/>
@@ -27851,21 +30537,10 @@
 </ct:contentTypeSchema>
 </file>
 
-<file path=customXml/item2.xml><?xml version="1.0" encoding="utf-8"?>
-<?mso-contentType ?>
-<FormTemplates xmlns="http://schemas.microsoft.com/sharepoint/v3/contenttype/forms">
-  <Display>DocumentLibraryForm</Display>
-  <Edit>DocumentLibraryForm</Edit>
-  <New>DocumentLibraryForm</New>
-</FormTemplates>
-</file>
-
 <file path=customXml/item3.xml><?xml version="1.0" encoding="utf-8"?>
-<p:properties xmlns:p="http://schemas.microsoft.com/office/2006/metadata/properties" xmlns:xsi="http://www.w3.org/2001/XMLSchema-instance" xmlns:pc="http://schemas.microsoft.com/office/infopath/2007/PartnerControls">
-  <documentManagement>
-    <CRMProduktID xmlns="cffbfc3b-6b69-42ac-8a83-31a62ae0d5a8" xsi:nil="true"/>
-  </documentManagement>
-</p:properties>
+<Control xmlns="http://schemas.microsoft.com/VisualStudio/2011/storyboarding/control">
+  <Id Name="0eeb7cd6-0ce7-493d-a937-fc0f06537b83" Revision="1" Stencil="System.MyShapes" StencilVersion="1.0"/>
+</Control>
 </file>
 
 <file path=customXml/item4.xml><?xml version="1.0" encoding="utf-8"?>
@@ -27875,12 +30550,22 @@
 </file>
 
 <file path=customXml/item5.xml><?xml version="1.0" encoding="utf-8"?>
-<Control xmlns="http://schemas.microsoft.com/VisualStudio/2011/storyboarding/control">
-  <Id Name="0eeb7cd6-0ce7-493d-a937-fc0f06537b83" Revision="1" Stencil="System.MyShapes" StencilVersion="1.0"/>
-</Control>
+<p:properties xmlns:p="http://schemas.microsoft.com/office/2006/metadata/properties" xmlns:xsi="http://www.w3.org/2001/XMLSchema-instance" xmlns:pc="http://schemas.microsoft.com/office/infopath/2007/PartnerControls">
+  <documentManagement>
+    <CRMProduktID xmlns="cffbfc3b-6b69-42ac-8a83-31a62ae0d5a8" xsi:nil="true"/>
+  </documentManagement>
+</p:properties>
 </file>
 
 <file path=customXml/itemProps1.xml><?xml version="1.0" encoding="utf-8"?>
+<ds:datastoreItem xmlns:ds="http://schemas.openxmlformats.org/officeDocument/2006/customXml" ds:itemID="{A3655780-1F62-4522-BD54-243C82D05A0A}">
+  <ds:schemaRefs>
+    <ds:schemaRef ds:uri="http://schemas.microsoft.com/sharepoint/v3/contenttype/forms"/>
+  </ds:schemaRefs>
+</ds:datastoreItem>
+</file>
+
+<file path=customXml/itemProps2.xml><?xml version="1.0" encoding="utf-8"?>
 <ds:datastoreItem xmlns:ds="http://schemas.openxmlformats.org/officeDocument/2006/customXml" ds:itemID="{5E6E75DB-B53D-46E1-8431-13E128477002}">
   <ds:schemaRefs>
     <ds:schemaRef ds:uri="http://schemas.microsoft.com/office/2006/metadata/contentType"/>
@@ -27898,15 +30583,23 @@
 </ds:datastoreItem>
 </file>
 
-<file path=customXml/itemProps2.xml><?xml version="1.0" encoding="utf-8"?>
-<ds:datastoreItem xmlns:ds="http://schemas.openxmlformats.org/officeDocument/2006/customXml" ds:itemID="{A3655780-1F62-4522-BD54-243C82D05A0A}">
+<file path=customXml/itemProps3.xml><?xml version="1.0" encoding="utf-8"?>
+<ds:datastoreItem xmlns:ds="http://schemas.openxmlformats.org/officeDocument/2006/customXml" ds:itemID="{BB986215-E27E-4EF2-A4F2-640A08426DE7}">
   <ds:schemaRefs>
-    <ds:schemaRef ds:uri="http://schemas.microsoft.com/sharepoint/v3/contenttype/forms"/>
+    <ds:schemaRef ds:uri="http://schemas.microsoft.com/VisualStudio/2011/storyboarding/control"/>
   </ds:schemaRefs>
 </ds:datastoreItem>
 </file>
 
-<file path=customXml/itemProps3.xml><?xml version="1.0" encoding="utf-8"?>
+<file path=customXml/itemProps4.xml><?xml version="1.0" encoding="utf-8"?>
+<ds:datastoreItem xmlns:ds="http://schemas.openxmlformats.org/officeDocument/2006/customXml" ds:itemID="{7C6143AF-337C-4A31-8FE0-52EFD1D663C2}">
+  <ds:schemaRefs>
+    <ds:schemaRef ds:uri="http://schemas.microsoft.com/VisualStudio/2011/storyboarding/control"/>
+  </ds:schemaRefs>
+</ds:datastoreItem>
+</file>
+
+<file path=customXml/itemProps5.xml><?xml version="1.0" encoding="utf-8"?>
 <ds:datastoreItem xmlns:ds="http://schemas.openxmlformats.org/officeDocument/2006/customXml" ds:itemID="{7D95F59C-8DA5-4EB5-81AA-EA53923514B5}">
   <ds:schemaRefs>
     <ds:schemaRef ds:uri="http://www.w3.org/XML/1998/namespace"/>
@@ -27920,20 +30613,4 @@
     <ds:schemaRef ds:uri="http://purl.org/dc/dcmitype/"/>
   </ds:schemaRefs>
 </ds:datastoreItem>
-</file>
-
-<file path=customXml/itemProps4.xml><?xml version="1.0" encoding="utf-8"?>
-<ds:datastoreItem xmlns:ds="http://schemas.openxmlformats.org/officeDocument/2006/customXml" ds:itemID="{7C6143AF-337C-4A31-8FE0-52EFD1D663C2}">
-  <ds:schemaRefs>
-    <ds:schemaRef ds:uri="http://schemas.microsoft.com/VisualStudio/2011/storyboarding/control"/>
-  </ds:schemaRefs>
-</ds:datastoreItem>
-</file>
-
-<file path=customXml/itemProps5.xml><?xml version="1.0" encoding="utf-8"?>
-<ds:datastoreItem xmlns:ds="http://schemas.openxmlformats.org/officeDocument/2006/customXml" ds:itemID="{BB986215-E27E-4EF2-A4F2-640A08426DE7}">
-  <ds:schemaRefs>
-    <ds:schemaRef ds:uri="http://schemas.microsoft.com/VisualStudio/2011/storyboarding/control"/>
-  </ds:schemaRefs>
-</ds:datastoreItem>
 </file>